--- a/w1/l1/Mobile-and-Embedded-Computing-Lab1.pptx
+++ b/w1/l1/Mobile-and-Embedded-Computing-Lab1.pptx
@@ -4205,8 +4205,8 @@
         </p:nvSpPr>
         <p:spPr>
           <a:xfrm>
-            <a:off x="827186" y="612844"/>
-            <a:ext cx="10537627" cy="5632311"/>
+            <a:off x="827186" y="243512"/>
+            <a:ext cx="10537627" cy="6370975"/>
           </a:xfrm>
           <a:prstGeom prst="rect">
             <a:avLst/>
@@ -4225,7 +4225,11 @@
             </a:pPr>
             <a:r>
               <a:rPr lang="en-US" sz="2400" dirty="0"/>
-              <a:t> Projects MUST be developed on GitHub</a:t>
+              <a:t> Project development MUST be </a:t>
+            </a:r>
+            <a:r>
+              <a:rPr lang="en-US" sz="2400" b="1" dirty="0"/>
+              <a:t>tracked on GitHub</a:t>
             </a:r>
           </a:p>
           <a:p>
@@ -4235,7 +4239,11 @@
             </a:pPr>
             <a:r>
               <a:rPr lang="en-US" sz="2400" dirty="0"/>
-              <a:t> The application MUST be written in Flutter</a:t>
+              <a:t> The application MUST be </a:t>
+            </a:r>
+            <a:r>
+              <a:rPr lang="en-US" sz="2400" b="1" dirty="0"/>
+              <a:t>written in Flutter</a:t>
             </a:r>
           </a:p>
           <a:p>
@@ -4245,7 +4253,7 @@
             </a:pPr>
             <a:r>
               <a:rPr lang="en-US" sz="2400" dirty="0"/>
-              <a:t> The way of working will also be marked (Pull Requests, Branches, Code reviews, etc.)</a:t>
+              <a:t> The way of working will also be marked (Pull Requests, Branches, Code reviews, GitHub Issues, etc.)</a:t>
             </a:r>
           </a:p>
           <a:p>
@@ -4255,7 +4263,23 @@
             </a:pPr>
             <a:r>
               <a:rPr lang="en-US" sz="2400" dirty="0"/>
-              <a:t> Individual participation will be measured based on Commits and Lines of Code, as well as the quality of the code written. Each team member should know in detail what he has implemented and have at least a brief awareness of the other parts of the project</a:t>
+              <a:t> Individual participation will be measured based on Commits, Lines of Code, and the quality of the code written. </a:t>
+            </a:r>
+            <a:r>
+              <a:rPr lang="en-US" sz="2400" b="1" dirty="0"/>
+              <a:t>Each team member </a:t>
+            </a:r>
+            <a:r>
+              <a:rPr lang="en-US" sz="2400" dirty="0"/>
+              <a:t>should know </a:t>
+            </a:r>
+            <a:r>
+              <a:rPr lang="en-US" sz="2400" b="1" dirty="0"/>
+              <a:t>in detail what he has implemented</a:t>
+            </a:r>
+            <a:r>
+              <a:rPr lang="en-US" sz="2400" dirty="0"/>
+              <a:t> and have at least a brief awareness of the other parts of the project</a:t>
             </a:r>
           </a:p>
           <a:p>
@@ -4341,7 +4365,7 @@
             </a:r>
             <a:r>
               <a:rPr lang="en-US" sz="2400" dirty="0"/>
-              <a:t>The final presentation will be a live demo accompanied by slides, and must not take more than 15 minutes / team</a:t>
+              <a:t>The final presentation will be a live demo accompanied by slides and must not take more than 15 minutes / team. Questions will be asked based on the code; you should NOT copy entire projects from the internet and you should not vibe code stuff that you can’t explain later.</a:t>
             </a:r>
             <a:endParaRPr lang="en-US" sz="2400" b="1" dirty="0"/>
           </a:p>

--- a/w1/l1/Mobile-and-Embedded-Computing-Lab1.pptx
+++ b/w1/l1/Mobile-and-Embedded-Computing-Lab1.pptx
@@ -210,7 +210,7 @@
           <a:p>
             <a:fld id="{03371807-75D2-4B48-9BC1-C0791C7EACC9}" type="datetimeFigureOut">
               <a:rPr lang="en-US" smtClean="0"/>
-              <a:t>9/20/25</a:t>
+              <a:t>9/23/25</a:t>
             </a:fld>
             <a:endParaRPr lang="en-US"/>
           </a:p>
@@ -624,7 +624,7 @@
           <a:p>
             <a:fld id="{779551AF-0EE3-DD4B-B4EF-6D8229EA0D86}" type="datetimeFigureOut">
               <a:rPr lang="en-US" smtClean="0"/>
-              <a:t>9/20/25</a:t>
+              <a:t>9/23/25</a:t>
             </a:fld>
             <a:endParaRPr lang="en-US"/>
           </a:p>
@@ -822,7 +822,7 @@
           <a:p>
             <a:fld id="{779551AF-0EE3-DD4B-B4EF-6D8229EA0D86}" type="datetimeFigureOut">
               <a:rPr lang="en-US" smtClean="0"/>
-              <a:t>9/20/25</a:t>
+              <a:t>9/23/25</a:t>
             </a:fld>
             <a:endParaRPr lang="en-US"/>
           </a:p>
@@ -1030,7 +1030,7 @@
           <a:p>
             <a:fld id="{779551AF-0EE3-DD4B-B4EF-6D8229EA0D86}" type="datetimeFigureOut">
               <a:rPr lang="en-US" smtClean="0"/>
-              <a:t>9/20/25</a:t>
+              <a:t>9/23/25</a:t>
             </a:fld>
             <a:endParaRPr lang="en-US"/>
           </a:p>
@@ -1228,7 +1228,7 @@
           <a:p>
             <a:fld id="{779551AF-0EE3-DD4B-B4EF-6D8229EA0D86}" type="datetimeFigureOut">
               <a:rPr lang="en-US" smtClean="0"/>
-              <a:t>9/20/25</a:t>
+              <a:t>9/23/25</a:t>
             </a:fld>
             <a:endParaRPr lang="en-US"/>
           </a:p>
@@ -1503,7 +1503,7 @@
           <a:p>
             <a:fld id="{779551AF-0EE3-DD4B-B4EF-6D8229EA0D86}" type="datetimeFigureOut">
               <a:rPr lang="en-US" smtClean="0"/>
-              <a:t>9/20/25</a:t>
+              <a:t>9/23/25</a:t>
             </a:fld>
             <a:endParaRPr lang="en-US"/>
           </a:p>
@@ -1768,7 +1768,7 @@
           <a:p>
             <a:fld id="{779551AF-0EE3-DD4B-B4EF-6D8229EA0D86}" type="datetimeFigureOut">
               <a:rPr lang="en-US" smtClean="0"/>
-              <a:t>9/20/25</a:t>
+              <a:t>9/23/25</a:t>
             </a:fld>
             <a:endParaRPr lang="en-US"/>
           </a:p>
@@ -2180,7 +2180,7 @@
           <a:p>
             <a:fld id="{779551AF-0EE3-DD4B-B4EF-6D8229EA0D86}" type="datetimeFigureOut">
               <a:rPr lang="en-US" smtClean="0"/>
-              <a:t>9/20/25</a:t>
+              <a:t>9/23/25</a:t>
             </a:fld>
             <a:endParaRPr lang="en-US"/>
           </a:p>
@@ -2321,7 +2321,7 @@
           <a:p>
             <a:fld id="{779551AF-0EE3-DD4B-B4EF-6D8229EA0D86}" type="datetimeFigureOut">
               <a:rPr lang="en-US" smtClean="0"/>
-              <a:t>9/20/25</a:t>
+              <a:t>9/23/25</a:t>
             </a:fld>
             <a:endParaRPr lang="en-US"/>
           </a:p>
@@ -2434,7 +2434,7 @@
           <a:p>
             <a:fld id="{779551AF-0EE3-DD4B-B4EF-6D8229EA0D86}" type="datetimeFigureOut">
               <a:rPr lang="en-US" smtClean="0"/>
-              <a:t>9/20/25</a:t>
+              <a:t>9/23/25</a:t>
             </a:fld>
             <a:endParaRPr lang="en-US"/>
           </a:p>
@@ -2745,7 +2745,7 @@
           <a:p>
             <a:fld id="{779551AF-0EE3-DD4B-B4EF-6D8229EA0D86}" type="datetimeFigureOut">
               <a:rPr lang="en-US" smtClean="0"/>
-              <a:t>9/20/25</a:t>
+              <a:t>9/23/25</a:t>
             </a:fld>
             <a:endParaRPr lang="en-US"/>
           </a:p>
@@ -3033,7 +3033,7 @@
           <a:p>
             <a:fld id="{779551AF-0EE3-DD4B-B4EF-6D8229EA0D86}" type="datetimeFigureOut">
               <a:rPr lang="en-US" smtClean="0"/>
-              <a:t>9/20/25</a:t>
+              <a:t>9/23/25</a:t>
             </a:fld>
             <a:endParaRPr lang="en-US"/>
           </a:p>
@@ -3274,7 +3274,7 @@
           <a:p>
             <a:fld id="{779551AF-0EE3-DD4B-B4EF-6D8229EA0D86}" type="datetimeFigureOut">
               <a:rPr lang="en-US" smtClean="0"/>
-              <a:t>9/20/25</a:t>
+              <a:t>9/23/25</a:t>
             </a:fld>
             <a:endParaRPr lang="en-US"/>
           </a:p>
@@ -4542,7 +4542,7 @@
         <p:spPr>
           <a:xfrm>
             <a:off x="903006" y="1541721"/>
-            <a:ext cx="10537627" cy="3970318"/>
+            <a:ext cx="10537627" cy="4401205"/>
           </a:xfrm>
           <a:prstGeom prst="rect">
             <a:avLst/>
@@ -4581,7 +4581,7 @@
             </a:r>
             <a:r>
               <a:rPr lang="en-US" sz="2800" dirty="0"/>
-              <a:t>)</a:t>
+              <a:t>) (Click on Install Manually in the Install Flutter section)</a:t>
             </a:r>
           </a:p>
           <a:p>

--- a/w1/l1/Mobile-and-Embedded-Computing-Lab1.pptx
+++ b/w1/l1/Mobile-and-Embedded-Computing-Lab1.pptx
@@ -5,15 +5,16 @@
     <p:sldMasterId id="2147483648" r:id="rId1"/>
   </p:sldMasterIdLst>
   <p:notesMasterIdLst>
-    <p:notesMasterId r:id="rId8"/>
+    <p:notesMasterId r:id="rId9"/>
   </p:notesMasterIdLst>
   <p:sldIdLst>
     <p:sldId id="256" r:id="rId2"/>
     <p:sldId id="258" r:id="rId3"/>
     <p:sldId id="261" r:id="rId4"/>
-    <p:sldId id="289" r:id="rId5"/>
-    <p:sldId id="287" r:id="rId6"/>
-    <p:sldId id="288" r:id="rId7"/>
+    <p:sldId id="290" r:id="rId5"/>
+    <p:sldId id="289" r:id="rId6"/>
+    <p:sldId id="287" r:id="rId7"/>
+    <p:sldId id="288" r:id="rId8"/>
   </p:sldIdLst>
   <p:sldSz cx="12192000" cy="6858000"/>
   <p:notesSz cx="6858000" cy="9144000"/>
@@ -210,7 +211,7 @@
           <a:p>
             <a:fld id="{03371807-75D2-4B48-9BC1-C0791C7EACC9}" type="datetimeFigureOut">
               <a:rPr lang="en-US" smtClean="0"/>
-              <a:t>9/23/25</a:t>
+              <a:t>10/1/25</a:t>
             </a:fld>
             <a:endParaRPr lang="en-US"/>
           </a:p>
@@ -624,7 +625,7 @@
           <a:p>
             <a:fld id="{779551AF-0EE3-DD4B-B4EF-6D8229EA0D86}" type="datetimeFigureOut">
               <a:rPr lang="en-US" smtClean="0"/>
-              <a:t>9/23/25</a:t>
+              <a:t>10/1/25</a:t>
             </a:fld>
             <a:endParaRPr lang="en-US"/>
           </a:p>
@@ -822,7 +823,7 @@
           <a:p>
             <a:fld id="{779551AF-0EE3-DD4B-B4EF-6D8229EA0D86}" type="datetimeFigureOut">
               <a:rPr lang="en-US" smtClean="0"/>
-              <a:t>9/23/25</a:t>
+              <a:t>10/1/25</a:t>
             </a:fld>
             <a:endParaRPr lang="en-US"/>
           </a:p>
@@ -1030,7 +1031,7 @@
           <a:p>
             <a:fld id="{779551AF-0EE3-DD4B-B4EF-6D8229EA0D86}" type="datetimeFigureOut">
               <a:rPr lang="en-US" smtClean="0"/>
-              <a:t>9/23/25</a:t>
+              <a:t>10/1/25</a:t>
             </a:fld>
             <a:endParaRPr lang="en-US"/>
           </a:p>
@@ -1228,7 +1229,7 @@
           <a:p>
             <a:fld id="{779551AF-0EE3-DD4B-B4EF-6D8229EA0D86}" type="datetimeFigureOut">
               <a:rPr lang="en-US" smtClean="0"/>
-              <a:t>9/23/25</a:t>
+              <a:t>10/1/25</a:t>
             </a:fld>
             <a:endParaRPr lang="en-US"/>
           </a:p>
@@ -1503,7 +1504,7 @@
           <a:p>
             <a:fld id="{779551AF-0EE3-DD4B-B4EF-6D8229EA0D86}" type="datetimeFigureOut">
               <a:rPr lang="en-US" smtClean="0"/>
-              <a:t>9/23/25</a:t>
+              <a:t>10/1/25</a:t>
             </a:fld>
             <a:endParaRPr lang="en-US"/>
           </a:p>
@@ -1768,7 +1769,7 @@
           <a:p>
             <a:fld id="{779551AF-0EE3-DD4B-B4EF-6D8229EA0D86}" type="datetimeFigureOut">
               <a:rPr lang="en-US" smtClean="0"/>
-              <a:t>9/23/25</a:t>
+              <a:t>10/1/25</a:t>
             </a:fld>
             <a:endParaRPr lang="en-US"/>
           </a:p>
@@ -2180,7 +2181,7 @@
           <a:p>
             <a:fld id="{779551AF-0EE3-DD4B-B4EF-6D8229EA0D86}" type="datetimeFigureOut">
               <a:rPr lang="en-US" smtClean="0"/>
-              <a:t>9/23/25</a:t>
+              <a:t>10/1/25</a:t>
             </a:fld>
             <a:endParaRPr lang="en-US"/>
           </a:p>
@@ -2321,7 +2322,7 @@
           <a:p>
             <a:fld id="{779551AF-0EE3-DD4B-B4EF-6D8229EA0D86}" type="datetimeFigureOut">
               <a:rPr lang="en-US" smtClean="0"/>
-              <a:t>9/23/25</a:t>
+              <a:t>10/1/25</a:t>
             </a:fld>
             <a:endParaRPr lang="en-US"/>
           </a:p>
@@ -2434,7 +2435,7 @@
           <a:p>
             <a:fld id="{779551AF-0EE3-DD4B-B4EF-6D8229EA0D86}" type="datetimeFigureOut">
               <a:rPr lang="en-US" smtClean="0"/>
-              <a:t>9/23/25</a:t>
+              <a:t>10/1/25</a:t>
             </a:fld>
             <a:endParaRPr lang="en-US"/>
           </a:p>
@@ -2745,7 +2746,7 @@
           <a:p>
             <a:fld id="{779551AF-0EE3-DD4B-B4EF-6D8229EA0D86}" type="datetimeFigureOut">
               <a:rPr lang="en-US" smtClean="0"/>
-              <a:t>9/23/25</a:t>
+              <a:t>10/1/25</a:t>
             </a:fld>
             <a:endParaRPr lang="en-US"/>
           </a:p>
@@ -3033,7 +3034,7 @@
           <a:p>
             <a:fld id="{779551AF-0EE3-DD4B-B4EF-6D8229EA0D86}" type="datetimeFigureOut">
               <a:rPr lang="en-US" smtClean="0"/>
-              <a:t>9/23/25</a:t>
+              <a:t>10/1/25</a:t>
             </a:fld>
             <a:endParaRPr lang="en-US"/>
           </a:p>
@@ -3274,7 +3275,7 @@
           <a:p>
             <a:fld id="{779551AF-0EE3-DD4B-B4EF-6D8229EA0D86}" type="datetimeFigureOut">
               <a:rPr lang="en-US" smtClean="0"/>
-              <a:t>9/23/25</a:t>
+              <a:t>10/1/25</a:t>
             </a:fld>
             <a:endParaRPr lang="en-US"/>
           </a:p>
@@ -4176,6 +4177,166 @@
         <p:cNvPr id="1" name="">
           <a:extLst>
             <a:ext uri="{FF2B5EF4-FFF2-40B4-BE49-F238E27FC236}">
+              <a16:creationId xmlns:a16="http://schemas.microsoft.com/office/drawing/2014/main" id="{642226E4-01FE-7023-52AB-2F7B0D6D1AEF}"/>
+            </a:ext>
+          </a:extLst>
+        </p:cNvPr>
+        <p:cNvGrpSpPr/>
+        <p:nvPr/>
+      </p:nvGrpSpPr>
+      <p:grpSpPr>
+        <a:xfrm>
+          <a:off x="0" y="0"/>
+          <a:ext cx="0" cy="0"/>
+          <a:chOff x="0" y="0"/>
+          <a:chExt cx="0" cy="0"/>
+        </a:xfrm>
+      </p:grpSpPr>
+      <p:sp>
+        <p:nvSpPr>
+          <p:cNvPr id="2" name="Title 1">
+            <a:extLst>
+              <a:ext uri="{FF2B5EF4-FFF2-40B4-BE49-F238E27FC236}">
+                <a16:creationId xmlns:a16="http://schemas.microsoft.com/office/drawing/2014/main" id="{94FB8E12-3488-A9AA-9BCA-697E03173D35}"/>
+              </a:ext>
+            </a:extLst>
+          </p:cNvPr>
+          <p:cNvSpPr>
+            <a:spLocks noGrp="1"/>
+          </p:cNvSpPr>
+          <p:nvPr>
+            <p:ph type="title"/>
+          </p:nvPr>
+        </p:nvSpPr>
+        <p:spPr/>
+        <p:txBody>
+          <a:bodyPr/>
+          <a:lstStyle/>
+          <a:p>
+            <a:r>
+              <a:rPr lang="en-US" dirty="0"/>
+              <a:t>Milestones presentation schedule</a:t>
+            </a:r>
+          </a:p>
+        </p:txBody>
+      </p:sp>
+      <p:sp>
+        <p:nvSpPr>
+          <p:cNvPr id="3" name="Content Placeholder 2">
+            <a:extLst>
+              <a:ext uri="{FF2B5EF4-FFF2-40B4-BE49-F238E27FC236}">
+                <a16:creationId xmlns:a16="http://schemas.microsoft.com/office/drawing/2014/main" id="{B06304A8-DE35-EAF7-B41F-75A61CBC3B05}"/>
+              </a:ext>
+            </a:extLst>
+          </p:cNvPr>
+          <p:cNvSpPr>
+            <a:spLocks noGrp="1"/>
+          </p:cNvSpPr>
+          <p:nvPr>
+            <p:ph idx="1"/>
+          </p:nvPr>
+        </p:nvSpPr>
+        <p:spPr/>
+        <p:txBody>
+          <a:bodyPr>
+            <a:normAutofit/>
+          </a:bodyPr>
+          <a:lstStyle/>
+          <a:p>
+            <a:pPr marL="158750" lvl="0" indent="0">
+              <a:lnSpc>
+                <a:spcPct val="100000"/>
+              </a:lnSpc>
+              <a:buClr>
+                <a:schemeClr val="lt1"/>
+              </a:buClr>
+              <a:buNone/>
+            </a:pPr>
+            <a:endParaRPr lang="en-US" dirty="0"/>
+          </a:p>
+          <a:p>
+            <a:pPr marL="158750" lvl="0" indent="0">
+              <a:lnSpc>
+                <a:spcPct val="100000"/>
+              </a:lnSpc>
+              <a:buClr>
+                <a:schemeClr val="lt1"/>
+              </a:buClr>
+              <a:buNone/>
+            </a:pPr>
+            <a:r>
+              <a:rPr lang="en-US" dirty="0"/>
+              <a:t>1. Build basic UI with mocked data (0.5p) – 23 October 2025</a:t>
+            </a:r>
+          </a:p>
+          <a:p>
+            <a:pPr marL="158750" lvl="0" indent="0">
+              <a:lnSpc>
+                <a:spcPct val="100000"/>
+              </a:lnSpc>
+              <a:buClr>
+                <a:schemeClr val="lt1"/>
+              </a:buClr>
+              <a:buNone/>
+            </a:pPr>
+            <a:r>
+              <a:rPr lang="en-US" dirty="0"/>
+              <a:t>2. Integrate with the provided API (0.5p) – 20 November 2025</a:t>
+            </a:r>
+          </a:p>
+          <a:p>
+            <a:pPr marL="158750" lvl="0" indent="0">
+              <a:lnSpc>
+                <a:spcPct val="100000"/>
+              </a:lnSpc>
+              <a:buClr>
+                <a:schemeClr val="lt1"/>
+              </a:buClr>
+              <a:buNone/>
+            </a:pPr>
+            <a:r>
+              <a:rPr lang="en-US" dirty="0"/>
+              <a:t>3. State management &amp; Offline first (1p) – 11 December 2025</a:t>
+            </a:r>
+          </a:p>
+          <a:p>
+            <a:pPr marL="158750" lvl="0" indent="0">
+              <a:lnSpc>
+                <a:spcPct val="100000"/>
+              </a:lnSpc>
+              <a:buClr>
+                <a:schemeClr val="lt1"/>
+              </a:buClr>
+              <a:buNone/>
+            </a:pPr>
+            <a:r>
+              <a:rPr lang="en-US" dirty="0"/>
+              <a:t>4. Final presentation (2p) – 15 January 2026</a:t>
+            </a:r>
+          </a:p>
+        </p:txBody>
+      </p:sp>
+    </p:spTree>
+    <p:extLst>
+      <p:ext uri="{BB962C8B-B14F-4D97-AF65-F5344CB8AC3E}">
+        <p14:creationId xmlns:p14="http://schemas.microsoft.com/office/powerpoint/2010/main" val="723585560"/>
+      </p:ext>
+    </p:extLst>
+  </p:cSld>
+  <p:clrMapOvr>
+    <a:masterClrMapping/>
+  </p:clrMapOvr>
+</p:sld>
+</file>
+
+<file path=ppt/slides/slide5.xml><?xml version="1.0" encoding="utf-8"?>
+<p:sld xmlns:a="http://schemas.openxmlformats.org/drawingml/2006/main" xmlns:r="http://schemas.openxmlformats.org/officeDocument/2006/relationships" xmlns:p="http://schemas.openxmlformats.org/presentationml/2006/main">
+  <p:cSld>
+    <p:spTree>
+      <p:nvGrpSpPr>
+        <p:cNvPr id="1" name="">
+          <a:extLst>
+            <a:ext uri="{FF2B5EF4-FFF2-40B4-BE49-F238E27FC236}">
               <a16:creationId xmlns:a16="http://schemas.microsoft.com/office/drawing/2014/main" id="{F99F9A68-DD75-FF5C-2F5F-7C21254D6027}"/>
             </a:ext>
           </a:extLst>
@@ -4384,7 +4545,7 @@
 </p:sld>
 </file>
 
-<file path=ppt/slides/slide5.xml><?xml version="1.0" encoding="utf-8"?>
+<file path=ppt/slides/slide6.xml><?xml version="1.0" encoding="utf-8"?>
 <p:sld xmlns:a="http://schemas.openxmlformats.org/drawingml/2006/main" xmlns:r="http://schemas.openxmlformats.org/officeDocument/2006/relationships" xmlns:p="http://schemas.openxmlformats.org/presentationml/2006/main">
   <p:cSld>
     <p:bg>
@@ -4471,7 +4632,7 @@
 </p:sld>
 </file>
 
-<file path=ppt/slides/slide6.xml><?xml version="1.0" encoding="utf-8"?>
+<file path=ppt/slides/slide7.xml><?xml version="1.0" encoding="utf-8"?>
 <p:sld xmlns:a="http://schemas.openxmlformats.org/drawingml/2006/main" xmlns:r="http://schemas.openxmlformats.org/officeDocument/2006/relationships" xmlns:p="http://schemas.openxmlformats.org/presentationml/2006/main">
   <p:cSld>
     <p:spTree>

--- a/w1/l1/Mobile-and-Embedded-Computing-Lab1.pptx
+++ b/w1/l1/Mobile-and-Embedded-Computing-Lab1.pptx
@@ -5,16 +5,22 @@
     <p:sldMasterId id="2147483648" r:id="rId1"/>
   </p:sldMasterIdLst>
   <p:notesMasterIdLst>
-    <p:notesMasterId r:id="rId9"/>
+    <p:notesMasterId r:id="rId15"/>
   </p:notesMasterIdLst>
   <p:sldIdLst>
     <p:sldId id="256" r:id="rId2"/>
     <p:sldId id="258" r:id="rId3"/>
     <p:sldId id="261" r:id="rId4"/>
     <p:sldId id="290" r:id="rId5"/>
-    <p:sldId id="289" r:id="rId6"/>
-    <p:sldId id="287" r:id="rId7"/>
-    <p:sldId id="288" r:id="rId8"/>
+    <p:sldId id="291" r:id="rId6"/>
+    <p:sldId id="292" r:id="rId7"/>
+    <p:sldId id="293" r:id="rId8"/>
+    <p:sldId id="294" r:id="rId9"/>
+    <p:sldId id="295" r:id="rId10"/>
+    <p:sldId id="296" r:id="rId11"/>
+    <p:sldId id="289" r:id="rId12"/>
+    <p:sldId id="287" r:id="rId13"/>
+    <p:sldId id="288" r:id="rId14"/>
   </p:sldIdLst>
   <p:sldSz cx="12192000" cy="6858000"/>
   <p:notesSz cx="6858000" cy="9144000"/>
@@ -3774,209 +3780,7 @@
 </p:sld>
 </file>
 
-<file path=ppt/slides/slide2.xml><?xml version="1.0" encoding="utf-8"?>
-<p:sld xmlns:a="http://schemas.openxmlformats.org/drawingml/2006/main" xmlns:r="http://schemas.openxmlformats.org/officeDocument/2006/relationships" xmlns:p="http://schemas.openxmlformats.org/presentationml/2006/main">
-  <p:cSld>
-    <p:spTree>
-      <p:nvGrpSpPr>
-        <p:cNvPr id="1" name=""/>
-        <p:cNvGrpSpPr/>
-        <p:nvPr/>
-      </p:nvGrpSpPr>
-      <p:grpSpPr>
-        <a:xfrm>
-          <a:off x="0" y="0"/>
-          <a:ext cx="0" cy="0"/>
-          <a:chOff x="0" y="0"/>
-          <a:chExt cx="0" cy="0"/>
-        </a:xfrm>
-      </p:grpSpPr>
-      <p:sp>
-        <p:nvSpPr>
-          <p:cNvPr id="3" name="Content Placeholder 2">
-            <a:extLst>
-              <a:ext uri="{FF2B5EF4-FFF2-40B4-BE49-F238E27FC236}">
-                <a16:creationId xmlns:a16="http://schemas.microsoft.com/office/drawing/2014/main" id="{EFF27E7B-5827-BBF6-FBA1-991606DB03CB}"/>
-              </a:ext>
-            </a:extLst>
-          </p:cNvPr>
-          <p:cNvSpPr>
-            <a:spLocks noGrp="1"/>
-          </p:cNvSpPr>
-          <p:nvPr>
-            <p:ph idx="1"/>
-          </p:nvPr>
-        </p:nvSpPr>
-        <p:spPr>
-          <a:xfrm>
-            <a:off x="838200" y="769122"/>
-            <a:ext cx="10515600" cy="5407842"/>
-          </a:xfrm>
-        </p:spPr>
-        <p:txBody>
-          <a:bodyPr>
-            <a:normAutofit fontScale="92500"/>
-          </a:bodyPr>
-          <a:lstStyle/>
-          <a:p>
-            <a:pPr marL="0" lvl="0" indent="0">
-              <a:buNone/>
-            </a:pPr>
-            <a:r>
-              <a:rPr lang="en-US" sz="3500" b="1" dirty="0">
-                <a:cs typeface="Al Bayan Plain" pitchFamily="2" charset="-78"/>
-              </a:rPr>
-              <a:t>Ing. Dinu-Ștefan RUSU</a:t>
-            </a:r>
-          </a:p>
-          <a:p>
-            <a:pPr marL="0" lvl="0" indent="0">
-              <a:buNone/>
-            </a:pPr>
-            <a:endParaRPr lang="en-US" dirty="0">
-              <a:cs typeface="Al Bayan Plain" pitchFamily="2" charset="-78"/>
-              <a:sym typeface="Archivo"/>
-            </a:endParaRPr>
-          </a:p>
-          <a:p>
-            <a:pPr marL="0" lvl="0" indent="0">
-              <a:buNone/>
-            </a:pPr>
-            <a:r>
-              <a:rPr lang="en-US" dirty="0">
-                <a:cs typeface="Al Bayan Plain" pitchFamily="2" charset="-78"/>
-                <a:sym typeface="Archivo"/>
-              </a:rPr>
-              <a:t>You can contact me on:</a:t>
-            </a:r>
-          </a:p>
-          <a:p>
-            <a:pPr lvl="0"/>
-            <a:r>
-              <a:rPr lang="en-US" dirty="0">
-                <a:ea typeface="Archivo"/>
-                <a:cs typeface="Archivo"/>
-                <a:sym typeface="Archivo"/>
-                <a:hlinkClick r:id="rId2">
-                  <a:extLst>
-                    <a:ext uri="{A12FA001-AC4F-418D-AE19-62706E023703}">
-                      <ahyp:hlinkClr xmlns:ahyp="http://schemas.microsoft.com/office/drawing/2018/hyperlinkcolor" val="tx"/>
-                    </a:ext>
-                  </a:extLst>
-                </a:hlinkClick>
-              </a:rPr>
-              <a:t>dinu_stefan.rusu@upb.ro</a:t>
-            </a:r>
-            <a:endParaRPr lang="en-US" dirty="0">
-              <a:ea typeface="Archivo"/>
-              <a:cs typeface="Archivo"/>
-              <a:sym typeface="Archivo"/>
-            </a:endParaRPr>
-          </a:p>
-          <a:p>
-            <a:pPr lvl="0"/>
-            <a:r>
-              <a:rPr lang="en-US" dirty="0">
-                <a:ea typeface="Archivo"/>
-                <a:cs typeface="Archivo"/>
-                <a:sym typeface="Archivo"/>
-              </a:rPr>
-              <a:t>Teams</a:t>
-            </a:r>
-          </a:p>
-          <a:p>
-            <a:pPr lvl="0"/>
-            <a:endParaRPr lang="en-US" dirty="0">
-              <a:ea typeface="Archivo"/>
-              <a:cs typeface="Archivo"/>
-              <a:sym typeface="Archivo"/>
-            </a:endParaRPr>
-          </a:p>
-          <a:p>
-            <a:pPr marL="0" lvl="0" indent="0">
-              <a:buNone/>
-            </a:pPr>
-            <a:r>
-              <a:rPr lang="en-US" dirty="0">
-                <a:ea typeface="Archivo"/>
-                <a:cs typeface="Archivo"/>
-                <a:sym typeface="Archivo"/>
-              </a:rPr>
-              <a:t>Senior Engineer @ Dell					[Kotlin, Spring Boot]</a:t>
-            </a:r>
-          </a:p>
-          <a:p>
-            <a:pPr marL="0" lvl="0" indent="0">
-              <a:buNone/>
-            </a:pPr>
-            <a:endParaRPr lang="en-US" dirty="0">
-              <a:ea typeface="Archivo"/>
-              <a:cs typeface="Archivo"/>
-              <a:sym typeface="Archivo"/>
-            </a:endParaRPr>
-          </a:p>
-          <a:p>
-            <a:pPr marL="0" lvl="0" indent="0">
-              <a:buNone/>
-            </a:pPr>
-            <a:r>
-              <a:rPr lang="en-US" dirty="0">
-                <a:ea typeface="Archivo"/>
-                <a:cs typeface="Archivo"/>
-                <a:sym typeface="Archivo"/>
-              </a:rPr>
-              <a:t>45+ Launched apps on Google Play &amp; App Store	[Flutter, Java]</a:t>
-            </a:r>
-          </a:p>
-          <a:p>
-            <a:pPr marL="0" lvl="0" indent="0">
-              <a:buNone/>
-            </a:pPr>
-            <a:r>
-              <a:rPr lang="en-US" dirty="0">
-                <a:ea typeface="Archivo"/>
-                <a:cs typeface="Archivo"/>
-                <a:sym typeface="Archivo"/>
-              </a:rPr>
-              <a:t>Speaker at </a:t>
-            </a:r>
-            <a:r>
-              <a:rPr lang="en-US" dirty="0" err="1">
-                <a:ea typeface="Archivo"/>
-                <a:cs typeface="Archivo"/>
-                <a:sym typeface="Archivo"/>
-              </a:rPr>
-              <a:t>DevTalks</a:t>
-            </a:r>
-            <a:r>
-              <a:rPr lang="en-US" dirty="0">
-                <a:ea typeface="Archivo"/>
-                <a:cs typeface="Archivo"/>
-                <a:sym typeface="Archivo"/>
-              </a:rPr>
-              <a:t> 2025 – Scaling Flutter to 100k MAU as a solo dev</a:t>
-            </a:r>
-            <a:endParaRPr lang="en-US" dirty="0"/>
-          </a:p>
-          <a:p>
-            <a:endParaRPr lang="en-US" dirty="0"/>
-          </a:p>
-        </p:txBody>
-      </p:sp>
-    </p:spTree>
-    <p:extLst>
-      <p:ext uri="{BB962C8B-B14F-4D97-AF65-F5344CB8AC3E}">
-        <p14:creationId xmlns:p14="http://schemas.microsoft.com/office/powerpoint/2010/main" val="1418232750"/>
-      </p:ext>
-    </p:extLst>
-  </p:cSld>
-  <p:clrMapOvr>
-    <a:masterClrMapping/>
-  </p:clrMapOvr>
-</p:sld>
-</file>
-
-<file path=ppt/slides/slide3.xml><?xml version="1.0" encoding="utf-8"?>
+<file path=ppt/slides/slide10.xml><?xml version="1.0" encoding="utf-8"?>
 <p:sld xmlns:a="http://schemas.openxmlformats.org/drawingml/2006/main" xmlns:r="http://schemas.openxmlformats.org/officeDocument/2006/relationships" xmlns:p="http://schemas.openxmlformats.org/presentationml/2006/main">
   <p:cSld>
     <p:spTree>
@@ -3984,7 +3788,7 @@
         <p:cNvPr id="1" name="">
           <a:extLst>
             <a:ext uri="{FF2B5EF4-FFF2-40B4-BE49-F238E27FC236}">
-              <a16:creationId xmlns:a16="http://schemas.microsoft.com/office/drawing/2014/main" id="{7DD4729C-B494-5D82-26F9-CD9BEF45B6D1}"/>
+              <a16:creationId xmlns:a16="http://schemas.microsoft.com/office/drawing/2014/main" id="{869ECD52-EA38-5679-974E-5CD7421D25B4}"/>
             </a:ext>
           </a:extLst>
         </p:cNvPr>
@@ -4004,7 +3808,7 @@
           <p:cNvPr id="2" name="Title 1">
             <a:extLst>
               <a:ext uri="{FF2B5EF4-FFF2-40B4-BE49-F238E27FC236}">
-                <a16:creationId xmlns:a16="http://schemas.microsoft.com/office/drawing/2014/main" id="{2F4ACD31-2D09-6AF7-4D4D-05C5A31065B5}"/>
+                <a16:creationId xmlns:a16="http://schemas.microsoft.com/office/drawing/2014/main" id="{3DD4EEF5-415C-B216-E9A2-3BAC52222507}"/>
               </a:ext>
             </a:extLst>
           </p:cNvPr>
@@ -4022,7 +3826,7 @@
           <a:p>
             <a:r>
               <a:rPr lang="en-US" dirty="0"/>
-              <a:t>Grading – 4P</a:t>
+              <a:t>Project topics – Project 6</a:t>
             </a:r>
           </a:p>
         </p:txBody>
@@ -4032,7 +3836,7 @@
           <p:cNvPr id="3" name="Content Placeholder 2">
             <a:extLst>
               <a:ext uri="{FF2B5EF4-FFF2-40B4-BE49-F238E27FC236}">
-                <a16:creationId xmlns:a16="http://schemas.microsoft.com/office/drawing/2014/main" id="{1B02D55B-00A3-BCFD-7F3F-37A8F2FA5942}"/>
+                <a16:creationId xmlns:a16="http://schemas.microsoft.com/office/drawing/2014/main" id="{4CE956BA-C80D-779A-029F-E35AA2240402}"/>
               </a:ext>
             </a:extLst>
           </p:cNvPr>
@@ -4046,9 +3850,29 @@
         <p:spPr/>
         <p:txBody>
           <a:bodyPr>
-            <a:normAutofit lnSpcReduction="10000"/>
+            <a:normAutofit fontScale="92500"/>
           </a:bodyPr>
           <a:lstStyle/>
+          <a:p>
+            <a:pPr marL="158750" indent="0">
+              <a:lnSpc>
+                <a:spcPct val="100000"/>
+              </a:lnSpc>
+              <a:buClr>
+                <a:schemeClr val="lt1"/>
+              </a:buClr>
+              <a:buNone/>
+            </a:pPr>
+            <a:r>
+              <a:rPr lang="en-US" b="1" dirty="0" err="1"/>
+              <a:t>FitTrack</a:t>
+            </a:r>
+            <a:r>
+              <a:rPr lang="en-US" b="1" dirty="0"/>
+              <a:t>: Offline-Capable Fitness Logger with Analytics</a:t>
+            </a:r>
+            <a:endParaRPr lang="en-US" dirty="0"/>
+          </a:p>
           <a:p>
             <a:pPr marL="158750" lvl="0" indent="0">
               <a:lnSpc>
@@ -4059,9 +3883,42 @@
               </a:buClr>
               <a:buNone/>
             </a:pPr>
+            <a:endParaRPr lang="en-US" dirty="0"/>
+          </a:p>
+          <a:p>
             <a:r>
               <a:rPr lang="en-US" dirty="0"/>
-              <a:t>Hands-on Flutter exercises</a:t>
+              <a:t>Users log daily workouts (exercise type, duration, calories burned).</a:t>
+            </a:r>
+          </a:p>
+          <a:p>
+            <a:r>
+              <a:rPr lang="en-US" dirty="0"/>
+              <a:t>Offline-first design: store logs locally, sync with Firebase when online.</a:t>
+            </a:r>
+          </a:p>
+          <a:p>
+            <a:r>
+              <a:rPr lang="en-US" dirty="0"/>
+              <a:t>Visualize progress with charts (steps, calories, workouts).</a:t>
+            </a:r>
+          </a:p>
+          <a:p>
+            <a:r>
+              <a:rPr lang="en-US" dirty="0"/>
+              <a:t>Background async processing (e.g., aggregating weekly stats).</a:t>
+            </a:r>
+          </a:p>
+          <a:p>
+            <a:r>
+              <a:rPr lang="en-US" dirty="0"/>
+              <a:t>Optimize list rendering and data sync to reduce energy consumption.</a:t>
+            </a:r>
+          </a:p>
+          <a:p>
+            <a:r>
+              <a:rPr lang="en-US" dirty="0"/>
+              <a:t>Authentication with Firebase, secure storage for sensitive health data.</a:t>
             </a:r>
           </a:p>
           <a:p>
@@ -4074,92 +3931,14 @@
               </a:buClr>
               <a:buNone/>
             </a:pPr>
-            <a:r>
-              <a:rPr lang="en-US" dirty="0"/>
-              <a:t>4 Milestones:</a:t>
-            </a:r>
-          </a:p>
-          <a:p>
-            <a:pPr marL="158750" lvl="0" indent="0">
-              <a:lnSpc>
-                <a:spcPct val="100000"/>
-              </a:lnSpc>
-              <a:buClr>
-                <a:schemeClr val="lt1"/>
-              </a:buClr>
-              <a:buNone/>
-            </a:pPr>
-            <a:r>
-              <a:rPr lang="en-US" dirty="0"/>
-              <a:t>	1. Build basic UI with mocked data (0.5p)</a:t>
-            </a:r>
-          </a:p>
-          <a:p>
-            <a:pPr marL="158750" lvl="0" indent="0">
-              <a:lnSpc>
-                <a:spcPct val="100000"/>
-              </a:lnSpc>
-              <a:buClr>
-                <a:schemeClr val="lt1"/>
-              </a:buClr>
-              <a:buNone/>
-            </a:pPr>
-            <a:r>
-              <a:rPr lang="en-US" dirty="0"/>
-              <a:t>	2. Integrate with the provided API (0.5p)</a:t>
-            </a:r>
-          </a:p>
-          <a:p>
-            <a:pPr marL="158750" lvl="0" indent="0">
-              <a:lnSpc>
-                <a:spcPct val="100000"/>
-              </a:lnSpc>
-              <a:buClr>
-                <a:schemeClr val="lt1"/>
-              </a:buClr>
-              <a:buNone/>
-            </a:pPr>
-            <a:r>
-              <a:rPr lang="en-US" dirty="0"/>
-              <a:t>	3. State management &amp; Offline first (1p)</a:t>
-            </a:r>
-          </a:p>
-          <a:p>
-            <a:pPr marL="158750" lvl="0" indent="0">
-              <a:lnSpc>
-                <a:spcPct val="100000"/>
-              </a:lnSpc>
-              <a:buClr>
-                <a:schemeClr val="lt1"/>
-              </a:buClr>
-              <a:buNone/>
-            </a:pPr>
-            <a:r>
-              <a:rPr lang="en-US" dirty="0"/>
-              <a:t>	4. Final presentation (2p)</a:t>
-            </a:r>
-          </a:p>
-          <a:p>
-            <a:pPr marL="158750" lvl="0" indent="0">
-              <a:lnSpc>
-                <a:spcPct val="100000"/>
-              </a:lnSpc>
-              <a:buClr>
-                <a:schemeClr val="lt1"/>
-              </a:buClr>
-              <a:buNone/>
-            </a:pPr>
-            <a:r>
-              <a:rPr lang="en-US" dirty="0"/>
-              <a:t>These milestones may be solved individually or in a team of maximum 3 persons. Each contributor will be graded individually, based on their input to the developed application.</a:t>
-            </a:r>
+            <a:endParaRPr lang="en-US" dirty="0"/>
           </a:p>
         </p:txBody>
       </p:sp>
     </p:spTree>
     <p:extLst>
       <p:ext uri="{BB962C8B-B14F-4D97-AF65-F5344CB8AC3E}">
-        <p14:creationId xmlns:p14="http://schemas.microsoft.com/office/powerpoint/2010/main" val="3108798499"/>
+        <p14:creationId xmlns:p14="http://schemas.microsoft.com/office/powerpoint/2010/main" val="942494829"/>
       </p:ext>
     </p:extLst>
   </p:cSld>
@@ -4169,167 +3948,7 @@
 </p:sld>
 </file>
 
-<file path=ppt/slides/slide4.xml><?xml version="1.0" encoding="utf-8"?>
-<p:sld xmlns:a="http://schemas.openxmlformats.org/drawingml/2006/main" xmlns:r="http://schemas.openxmlformats.org/officeDocument/2006/relationships" xmlns:p="http://schemas.openxmlformats.org/presentationml/2006/main">
-  <p:cSld>
-    <p:spTree>
-      <p:nvGrpSpPr>
-        <p:cNvPr id="1" name="">
-          <a:extLst>
-            <a:ext uri="{FF2B5EF4-FFF2-40B4-BE49-F238E27FC236}">
-              <a16:creationId xmlns:a16="http://schemas.microsoft.com/office/drawing/2014/main" id="{642226E4-01FE-7023-52AB-2F7B0D6D1AEF}"/>
-            </a:ext>
-          </a:extLst>
-        </p:cNvPr>
-        <p:cNvGrpSpPr/>
-        <p:nvPr/>
-      </p:nvGrpSpPr>
-      <p:grpSpPr>
-        <a:xfrm>
-          <a:off x="0" y="0"/>
-          <a:ext cx="0" cy="0"/>
-          <a:chOff x="0" y="0"/>
-          <a:chExt cx="0" cy="0"/>
-        </a:xfrm>
-      </p:grpSpPr>
-      <p:sp>
-        <p:nvSpPr>
-          <p:cNvPr id="2" name="Title 1">
-            <a:extLst>
-              <a:ext uri="{FF2B5EF4-FFF2-40B4-BE49-F238E27FC236}">
-                <a16:creationId xmlns:a16="http://schemas.microsoft.com/office/drawing/2014/main" id="{94FB8E12-3488-A9AA-9BCA-697E03173D35}"/>
-              </a:ext>
-            </a:extLst>
-          </p:cNvPr>
-          <p:cNvSpPr>
-            <a:spLocks noGrp="1"/>
-          </p:cNvSpPr>
-          <p:nvPr>
-            <p:ph type="title"/>
-          </p:nvPr>
-        </p:nvSpPr>
-        <p:spPr/>
-        <p:txBody>
-          <a:bodyPr/>
-          <a:lstStyle/>
-          <a:p>
-            <a:r>
-              <a:rPr lang="en-US" dirty="0"/>
-              <a:t>Milestones presentation schedule</a:t>
-            </a:r>
-          </a:p>
-        </p:txBody>
-      </p:sp>
-      <p:sp>
-        <p:nvSpPr>
-          <p:cNvPr id="3" name="Content Placeholder 2">
-            <a:extLst>
-              <a:ext uri="{FF2B5EF4-FFF2-40B4-BE49-F238E27FC236}">
-                <a16:creationId xmlns:a16="http://schemas.microsoft.com/office/drawing/2014/main" id="{B06304A8-DE35-EAF7-B41F-75A61CBC3B05}"/>
-              </a:ext>
-            </a:extLst>
-          </p:cNvPr>
-          <p:cNvSpPr>
-            <a:spLocks noGrp="1"/>
-          </p:cNvSpPr>
-          <p:nvPr>
-            <p:ph idx="1"/>
-          </p:nvPr>
-        </p:nvSpPr>
-        <p:spPr/>
-        <p:txBody>
-          <a:bodyPr>
-            <a:normAutofit/>
-          </a:bodyPr>
-          <a:lstStyle/>
-          <a:p>
-            <a:pPr marL="158750" lvl="0" indent="0">
-              <a:lnSpc>
-                <a:spcPct val="100000"/>
-              </a:lnSpc>
-              <a:buClr>
-                <a:schemeClr val="lt1"/>
-              </a:buClr>
-              <a:buNone/>
-            </a:pPr>
-            <a:endParaRPr lang="en-US" dirty="0"/>
-          </a:p>
-          <a:p>
-            <a:pPr marL="158750" lvl="0" indent="0">
-              <a:lnSpc>
-                <a:spcPct val="100000"/>
-              </a:lnSpc>
-              <a:buClr>
-                <a:schemeClr val="lt1"/>
-              </a:buClr>
-              <a:buNone/>
-            </a:pPr>
-            <a:r>
-              <a:rPr lang="en-US" dirty="0"/>
-              <a:t>1. Build basic UI with mocked data (0.5p) – 23 October 2025</a:t>
-            </a:r>
-          </a:p>
-          <a:p>
-            <a:pPr marL="158750" lvl="0" indent="0">
-              <a:lnSpc>
-                <a:spcPct val="100000"/>
-              </a:lnSpc>
-              <a:buClr>
-                <a:schemeClr val="lt1"/>
-              </a:buClr>
-              <a:buNone/>
-            </a:pPr>
-            <a:r>
-              <a:rPr lang="en-US" dirty="0"/>
-              <a:t>2. Integrate with the provided API (0.5p) – 20 November 2025</a:t>
-            </a:r>
-          </a:p>
-          <a:p>
-            <a:pPr marL="158750" lvl="0" indent="0">
-              <a:lnSpc>
-                <a:spcPct val="100000"/>
-              </a:lnSpc>
-              <a:buClr>
-                <a:schemeClr val="lt1"/>
-              </a:buClr>
-              <a:buNone/>
-            </a:pPr>
-            <a:r>
-              <a:rPr lang="en-US" dirty="0"/>
-              <a:t>3. State management &amp; Offline first (1p) – 11 December 2025</a:t>
-            </a:r>
-          </a:p>
-          <a:p>
-            <a:pPr marL="158750" lvl="0" indent="0">
-              <a:lnSpc>
-                <a:spcPct val="100000"/>
-              </a:lnSpc>
-              <a:buClr>
-                <a:schemeClr val="lt1"/>
-              </a:buClr>
-              <a:buNone/>
-            </a:pPr>
-            <a:r>
-              <a:rPr lang="en-US" dirty="0"/>
-              <a:t>4. Final presentation (2p) – 15 January 2026</a:t>
-            </a:r>
-          </a:p>
-        </p:txBody>
-      </p:sp>
-    </p:spTree>
-    <p:extLst>
-      <p:ext uri="{BB962C8B-B14F-4D97-AF65-F5344CB8AC3E}">
-        <p14:creationId xmlns:p14="http://schemas.microsoft.com/office/powerpoint/2010/main" val="723585560"/>
-      </p:ext>
-    </p:extLst>
-  </p:cSld>
-  <p:clrMapOvr>
-    <a:masterClrMapping/>
-  </p:clrMapOvr>
-</p:sld>
-</file>
-
-<file path=ppt/slides/slide5.xml><?xml version="1.0" encoding="utf-8"?>
+<file path=ppt/slides/slide11.xml><?xml version="1.0" encoding="utf-8"?>
 <p:sld xmlns:a="http://schemas.openxmlformats.org/drawingml/2006/main" xmlns:r="http://schemas.openxmlformats.org/officeDocument/2006/relationships" xmlns:p="http://schemas.openxmlformats.org/presentationml/2006/main">
   <p:cSld>
     <p:spTree>
@@ -4526,7 +4145,7 @@
             </a:r>
             <a:r>
               <a:rPr lang="en-US" sz="2400" dirty="0"/>
-              <a:t>The final presentation will be a live demo accompanied by slides and must not take more than 15 minutes / team. Questions will be asked based on the code; you should NOT copy entire projects from the internet and you should not vibe code stuff that you can’t explain later.</a:t>
+              <a:t>The final presentation will be a live demo accompanied by slides and must not take more than 15 minutes / team. Questions will be asked based on the code; you should NOT copy entire projects from the internet, and you should not vibe code stuff that you can’t explain later.</a:t>
             </a:r>
             <a:endParaRPr lang="en-US" sz="2400" b="1" dirty="0"/>
           </a:p>
@@ -4545,7 +4164,7 @@
 </p:sld>
 </file>
 
-<file path=ppt/slides/slide6.xml><?xml version="1.0" encoding="utf-8"?>
+<file path=ppt/slides/slide12.xml><?xml version="1.0" encoding="utf-8"?>
 <p:sld xmlns:a="http://schemas.openxmlformats.org/drawingml/2006/main" xmlns:r="http://schemas.openxmlformats.org/officeDocument/2006/relationships" xmlns:p="http://schemas.openxmlformats.org/presentationml/2006/main">
   <p:cSld>
     <p:bg>
@@ -4632,7 +4251,7 @@
 </p:sld>
 </file>
 
-<file path=ppt/slides/slide7.xml><?xml version="1.0" encoding="utf-8"?>
+<file path=ppt/slides/slide13.xml><?xml version="1.0" encoding="utf-8"?>
 <p:sld xmlns:a="http://schemas.openxmlformats.org/drawingml/2006/main" xmlns:r="http://schemas.openxmlformats.org/officeDocument/2006/relationships" xmlns:p="http://schemas.openxmlformats.org/presentationml/2006/main">
   <p:cSld>
     <p:spTree>
@@ -4791,6 +4410,1405 @@
     <p:extLst>
       <p:ext uri="{BB962C8B-B14F-4D97-AF65-F5344CB8AC3E}">
         <p14:creationId xmlns:p14="http://schemas.microsoft.com/office/powerpoint/2010/main" val="1827042140"/>
+      </p:ext>
+    </p:extLst>
+  </p:cSld>
+  <p:clrMapOvr>
+    <a:masterClrMapping/>
+  </p:clrMapOvr>
+</p:sld>
+</file>
+
+<file path=ppt/slides/slide2.xml><?xml version="1.0" encoding="utf-8"?>
+<p:sld xmlns:a="http://schemas.openxmlformats.org/drawingml/2006/main" xmlns:r="http://schemas.openxmlformats.org/officeDocument/2006/relationships" xmlns:p="http://schemas.openxmlformats.org/presentationml/2006/main">
+  <p:cSld>
+    <p:spTree>
+      <p:nvGrpSpPr>
+        <p:cNvPr id="1" name=""/>
+        <p:cNvGrpSpPr/>
+        <p:nvPr/>
+      </p:nvGrpSpPr>
+      <p:grpSpPr>
+        <a:xfrm>
+          <a:off x="0" y="0"/>
+          <a:ext cx="0" cy="0"/>
+          <a:chOff x="0" y="0"/>
+          <a:chExt cx="0" cy="0"/>
+        </a:xfrm>
+      </p:grpSpPr>
+      <p:sp>
+        <p:nvSpPr>
+          <p:cNvPr id="3" name="Content Placeholder 2">
+            <a:extLst>
+              <a:ext uri="{FF2B5EF4-FFF2-40B4-BE49-F238E27FC236}">
+                <a16:creationId xmlns:a16="http://schemas.microsoft.com/office/drawing/2014/main" id="{EFF27E7B-5827-BBF6-FBA1-991606DB03CB}"/>
+              </a:ext>
+            </a:extLst>
+          </p:cNvPr>
+          <p:cNvSpPr>
+            <a:spLocks noGrp="1"/>
+          </p:cNvSpPr>
+          <p:nvPr>
+            <p:ph idx="1"/>
+          </p:nvPr>
+        </p:nvSpPr>
+        <p:spPr>
+          <a:xfrm>
+            <a:off x="838200" y="769122"/>
+            <a:ext cx="10515600" cy="5407842"/>
+          </a:xfrm>
+        </p:spPr>
+        <p:txBody>
+          <a:bodyPr>
+            <a:normAutofit fontScale="92500"/>
+          </a:bodyPr>
+          <a:lstStyle/>
+          <a:p>
+            <a:pPr marL="0" lvl="0" indent="0">
+              <a:buNone/>
+            </a:pPr>
+            <a:r>
+              <a:rPr lang="en-US" sz="3500" b="1" dirty="0">
+                <a:cs typeface="Al Bayan Plain" pitchFamily="2" charset="-78"/>
+              </a:rPr>
+              <a:t>Ing. Dinu-Ștefan RUSU</a:t>
+            </a:r>
+          </a:p>
+          <a:p>
+            <a:pPr marL="0" lvl="0" indent="0">
+              <a:buNone/>
+            </a:pPr>
+            <a:endParaRPr lang="en-US" dirty="0">
+              <a:cs typeface="Al Bayan Plain" pitchFamily="2" charset="-78"/>
+              <a:sym typeface="Archivo"/>
+            </a:endParaRPr>
+          </a:p>
+          <a:p>
+            <a:pPr marL="0" lvl="0" indent="0">
+              <a:buNone/>
+            </a:pPr>
+            <a:r>
+              <a:rPr lang="en-US" dirty="0">
+                <a:cs typeface="Al Bayan Plain" pitchFamily="2" charset="-78"/>
+                <a:sym typeface="Archivo"/>
+              </a:rPr>
+              <a:t>You can contact me on:</a:t>
+            </a:r>
+          </a:p>
+          <a:p>
+            <a:pPr lvl="0"/>
+            <a:r>
+              <a:rPr lang="en-US" dirty="0">
+                <a:ea typeface="Archivo"/>
+                <a:cs typeface="Archivo"/>
+                <a:sym typeface="Archivo"/>
+                <a:hlinkClick r:id="rId2">
+                  <a:extLst>
+                    <a:ext uri="{A12FA001-AC4F-418D-AE19-62706E023703}">
+                      <ahyp:hlinkClr xmlns:ahyp="http://schemas.microsoft.com/office/drawing/2018/hyperlinkcolor" val="tx"/>
+                    </a:ext>
+                  </a:extLst>
+                </a:hlinkClick>
+              </a:rPr>
+              <a:t>dinu_stefan.rusu@upb.ro</a:t>
+            </a:r>
+            <a:endParaRPr lang="en-US" dirty="0">
+              <a:ea typeface="Archivo"/>
+              <a:cs typeface="Archivo"/>
+              <a:sym typeface="Archivo"/>
+            </a:endParaRPr>
+          </a:p>
+          <a:p>
+            <a:pPr lvl="0"/>
+            <a:r>
+              <a:rPr lang="en-US" dirty="0">
+                <a:ea typeface="Archivo"/>
+                <a:cs typeface="Archivo"/>
+                <a:sym typeface="Archivo"/>
+              </a:rPr>
+              <a:t>Teams</a:t>
+            </a:r>
+          </a:p>
+          <a:p>
+            <a:pPr lvl="0"/>
+            <a:endParaRPr lang="en-US" dirty="0">
+              <a:ea typeface="Archivo"/>
+              <a:cs typeface="Archivo"/>
+              <a:sym typeface="Archivo"/>
+            </a:endParaRPr>
+          </a:p>
+          <a:p>
+            <a:pPr marL="0" lvl="0" indent="0">
+              <a:buNone/>
+            </a:pPr>
+            <a:r>
+              <a:rPr lang="en-US" dirty="0">
+                <a:ea typeface="Archivo"/>
+                <a:cs typeface="Archivo"/>
+                <a:sym typeface="Archivo"/>
+              </a:rPr>
+              <a:t>Senior Engineer @ Dell					[Kotlin, Spring Boot]</a:t>
+            </a:r>
+          </a:p>
+          <a:p>
+            <a:pPr marL="0" lvl="0" indent="0">
+              <a:buNone/>
+            </a:pPr>
+            <a:endParaRPr lang="en-US" dirty="0">
+              <a:ea typeface="Archivo"/>
+              <a:cs typeface="Archivo"/>
+              <a:sym typeface="Archivo"/>
+            </a:endParaRPr>
+          </a:p>
+          <a:p>
+            <a:pPr marL="0" lvl="0" indent="0">
+              <a:buNone/>
+            </a:pPr>
+            <a:r>
+              <a:rPr lang="en-US" dirty="0">
+                <a:ea typeface="Archivo"/>
+                <a:cs typeface="Archivo"/>
+                <a:sym typeface="Archivo"/>
+              </a:rPr>
+              <a:t>45+ Launched apps on Google Play &amp; App Store	[Flutter, Java]</a:t>
+            </a:r>
+          </a:p>
+          <a:p>
+            <a:pPr marL="0" lvl="0" indent="0">
+              <a:buNone/>
+            </a:pPr>
+            <a:r>
+              <a:rPr lang="en-US" dirty="0">
+                <a:ea typeface="Archivo"/>
+                <a:cs typeface="Archivo"/>
+                <a:sym typeface="Archivo"/>
+              </a:rPr>
+              <a:t>Speaker at </a:t>
+            </a:r>
+            <a:r>
+              <a:rPr lang="en-US" dirty="0" err="1">
+                <a:ea typeface="Archivo"/>
+                <a:cs typeface="Archivo"/>
+                <a:sym typeface="Archivo"/>
+              </a:rPr>
+              <a:t>DevTalks</a:t>
+            </a:r>
+            <a:r>
+              <a:rPr lang="en-US" dirty="0">
+                <a:ea typeface="Archivo"/>
+                <a:cs typeface="Archivo"/>
+                <a:sym typeface="Archivo"/>
+              </a:rPr>
+              <a:t> 2025 – Scaling Flutter to 100k MAU as a solo dev</a:t>
+            </a:r>
+            <a:endParaRPr lang="en-US" dirty="0"/>
+          </a:p>
+          <a:p>
+            <a:endParaRPr lang="en-US" dirty="0"/>
+          </a:p>
+        </p:txBody>
+      </p:sp>
+    </p:spTree>
+    <p:extLst>
+      <p:ext uri="{BB962C8B-B14F-4D97-AF65-F5344CB8AC3E}">
+        <p14:creationId xmlns:p14="http://schemas.microsoft.com/office/powerpoint/2010/main" val="1418232750"/>
+      </p:ext>
+    </p:extLst>
+  </p:cSld>
+  <p:clrMapOvr>
+    <a:masterClrMapping/>
+  </p:clrMapOvr>
+</p:sld>
+</file>
+
+<file path=ppt/slides/slide3.xml><?xml version="1.0" encoding="utf-8"?>
+<p:sld xmlns:a="http://schemas.openxmlformats.org/drawingml/2006/main" xmlns:r="http://schemas.openxmlformats.org/officeDocument/2006/relationships" xmlns:p="http://schemas.openxmlformats.org/presentationml/2006/main">
+  <p:cSld>
+    <p:spTree>
+      <p:nvGrpSpPr>
+        <p:cNvPr id="1" name="">
+          <a:extLst>
+            <a:ext uri="{FF2B5EF4-FFF2-40B4-BE49-F238E27FC236}">
+              <a16:creationId xmlns:a16="http://schemas.microsoft.com/office/drawing/2014/main" id="{7DD4729C-B494-5D82-26F9-CD9BEF45B6D1}"/>
+            </a:ext>
+          </a:extLst>
+        </p:cNvPr>
+        <p:cNvGrpSpPr/>
+        <p:nvPr/>
+      </p:nvGrpSpPr>
+      <p:grpSpPr>
+        <a:xfrm>
+          <a:off x="0" y="0"/>
+          <a:ext cx="0" cy="0"/>
+          <a:chOff x="0" y="0"/>
+          <a:chExt cx="0" cy="0"/>
+        </a:xfrm>
+      </p:grpSpPr>
+      <p:sp>
+        <p:nvSpPr>
+          <p:cNvPr id="2" name="Title 1">
+            <a:extLst>
+              <a:ext uri="{FF2B5EF4-FFF2-40B4-BE49-F238E27FC236}">
+                <a16:creationId xmlns:a16="http://schemas.microsoft.com/office/drawing/2014/main" id="{2F4ACD31-2D09-6AF7-4D4D-05C5A31065B5}"/>
+              </a:ext>
+            </a:extLst>
+          </p:cNvPr>
+          <p:cNvSpPr>
+            <a:spLocks noGrp="1"/>
+          </p:cNvSpPr>
+          <p:nvPr>
+            <p:ph type="title"/>
+          </p:nvPr>
+        </p:nvSpPr>
+        <p:spPr/>
+        <p:txBody>
+          <a:bodyPr/>
+          <a:lstStyle/>
+          <a:p>
+            <a:r>
+              <a:rPr lang="en-US" dirty="0"/>
+              <a:t>Grading – 4P</a:t>
+            </a:r>
+          </a:p>
+        </p:txBody>
+      </p:sp>
+      <p:sp>
+        <p:nvSpPr>
+          <p:cNvPr id="3" name="Content Placeholder 2">
+            <a:extLst>
+              <a:ext uri="{FF2B5EF4-FFF2-40B4-BE49-F238E27FC236}">
+                <a16:creationId xmlns:a16="http://schemas.microsoft.com/office/drawing/2014/main" id="{1B02D55B-00A3-BCFD-7F3F-37A8F2FA5942}"/>
+              </a:ext>
+            </a:extLst>
+          </p:cNvPr>
+          <p:cNvSpPr>
+            <a:spLocks noGrp="1"/>
+          </p:cNvSpPr>
+          <p:nvPr>
+            <p:ph idx="1"/>
+          </p:nvPr>
+        </p:nvSpPr>
+        <p:spPr/>
+        <p:txBody>
+          <a:bodyPr>
+            <a:normAutofit lnSpcReduction="10000"/>
+          </a:bodyPr>
+          <a:lstStyle/>
+          <a:p>
+            <a:pPr marL="158750" lvl="0" indent="0">
+              <a:lnSpc>
+                <a:spcPct val="100000"/>
+              </a:lnSpc>
+              <a:buClr>
+                <a:schemeClr val="lt1"/>
+              </a:buClr>
+              <a:buNone/>
+            </a:pPr>
+            <a:r>
+              <a:rPr lang="en-US" dirty="0"/>
+              <a:t>Hands-on Flutter exercises</a:t>
+            </a:r>
+          </a:p>
+          <a:p>
+            <a:pPr marL="158750" lvl="0" indent="0">
+              <a:lnSpc>
+                <a:spcPct val="100000"/>
+              </a:lnSpc>
+              <a:buClr>
+                <a:schemeClr val="lt1"/>
+              </a:buClr>
+              <a:buNone/>
+            </a:pPr>
+            <a:r>
+              <a:rPr lang="en-US" dirty="0"/>
+              <a:t>4 Milestones:</a:t>
+            </a:r>
+          </a:p>
+          <a:p>
+            <a:pPr marL="158750" lvl="0" indent="0">
+              <a:lnSpc>
+                <a:spcPct val="100000"/>
+              </a:lnSpc>
+              <a:buClr>
+                <a:schemeClr val="lt1"/>
+              </a:buClr>
+              <a:buNone/>
+            </a:pPr>
+            <a:r>
+              <a:rPr lang="en-US" dirty="0"/>
+              <a:t>	1. Build basic UI with mocked data (0.5p)</a:t>
+            </a:r>
+          </a:p>
+          <a:p>
+            <a:pPr marL="158750" lvl="0" indent="0">
+              <a:lnSpc>
+                <a:spcPct val="100000"/>
+              </a:lnSpc>
+              <a:buClr>
+                <a:schemeClr val="lt1"/>
+              </a:buClr>
+              <a:buNone/>
+            </a:pPr>
+            <a:r>
+              <a:rPr lang="en-US" dirty="0"/>
+              <a:t>	2. Integrate Firebase (0.5p)</a:t>
+            </a:r>
+          </a:p>
+          <a:p>
+            <a:pPr marL="158750" lvl="0" indent="0">
+              <a:lnSpc>
+                <a:spcPct val="100000"/>
+              </a:lnSpc>
+              <a:buClr>
+                <a:schemeClr val="lt1"/>
+              </a:buClr>
+              <a:buNone/>
+            </a:pPr>
+            <a:r>
+              <a:rPr lang="en-US" dirty="0"/>
+              <a:t>	3. State management &amp; Offline first (1p)</a:t>
+            </a:r>
+          </a:p>
+          <a:p>
+            <a:pPr marL="158750" lvl="0" indent="0">
+              <a:lnSpc>
+                <a:spcPct val="100000"/>
+              </a:lnSpc>
+              <a:buClr>
+                <a:schemeClr val="lt1"/>
+              </a:buClr>
+              <a:buNone/>
+            </a:pPr>
+            <a:r>
+              <a:rPr lang="en-US" dirty="0"/>
+              <a:t>	4. Final presentation (2p)</a:t>
+            </a:r>
+          </a:p>
+          <a:p>
+            <a:pPr marL="158750" lvl="0" indent="0">
+              <a:lnSpc>
+                <a:spcPct val="100000"/>
+              </a:lnSpc>
+              <a:buClr>
+                <a:schemeClr val="lt1"/>
+              </a:buClr>
+              <a:buNone/>
+            </a:pPr>
+            <a:r>
+              <a:rPr lang="en-US" dirty="0"/>
+              <a:t>These milestones may be solved individually or in a team of maximum 3 persons. Each contributor will be graded individually, based on their input to the developed application.</a:t>
+            </a:r>
+          </a:p>
+        </p:txBody>
+      </p:sp>
+    </p:spTree>
+    <p:extLst>
+      <p:ext uri="{BB962C8B-B14F-4D97-AF65-F5344CB8AC3E}">
+        <p14:creationId xmlns:p14="http://schemas.microsoft.com/office/powerpoint/2010/main" val="3108798499"/>
+      </p:ext>
+    </p:extLst>
+  </p:cSld>
+  <p:clrMapOvr>
+    <a:masterClrMapping/>
+  </p:clrMapOvr>
+</p:sld>
+</file>
+
+<file path=ppt/slides/slide4.xml><?xml version="1.0" encoding="utf-8"?>
+<p:sld xmlns:a="http://schemas.openxmlformats.org/drawingml/2006/main" xmlns:r="http://schemas.openxmlformats.org/officeDocument/2006/relationships" xmlns:p="http://schemas.openxmlformats.org/presentationml/2006/main">
+  <p:cSld>
+    <p:spTree>
+      <p:nvGrpSpPr>
+        <p:cNvPr id="1" name="">
+          <a:extLst>
+            <a:ext uri="{FF2B5EF4-FFF2-40B4-BE49-F238E27FC236}">
+              <a16:creationId xmlns:a16="http://schemas.microsoft.com/office/drawing/2014/main" id="{642226E4-01FE-7023-52AB-2F7B0D6D1AEF}"/>
+            </a:ext>
+          </a:extLst>
+        </p:cNvPr>
+        <p:cNvGrpSpPr/>
+        <p:nvPr/>
+      </p:nvGrpSpPr>
+      <p:grpSpPr>
+        <a:xfrm>
+          <a:off x="0" y="0"/>
+          <a:ext cx="0" cy="0"/>
+          <a:chOff x="0" y="0"/>
+          <a:chExt cx="0" cy="0"/>
+        </a:xfrm>
+      </p:grpSpPr>
+      <p:sp>
+        <p:nvSpPr>
+          <p:cNvPr id="2" name="Title 1">
+            <a:extLst>
+              <a:ext uri="{FF2B5EF4-FFF2-40B4-BE49-F238E27FC236}">
+                <a16:creationId xmlns:a16="http://schemas.microsoft.com/office/drawing/2014/main" id="{94FB8E12-3488-A9AA-9BCA-697E03173D35}"/>
+              </a:ext>
+            </a:extLst>
+          </p:cNvPr>
+          <p:cNvSpPr>
+            <a:spLocks noGrp="1"/>
+          </p:cNvSpPr>
+          <p:nvPr>
+            <p:ph type="title"/>
+          </p:nvPr>
+        </p:nvSpPr>
+        <p:spPr/>
+        <p:txBody>
+          <a:bodyPr/>
+          <a:lstStyle/>
+          <a:p>
+            <a:r>
+              <a:rPr lang="en-US" dirty="0"/>
+              <a:t>Milestones presentation schedule</a:t>
+            </a:r>
+          </a:p>
+        </p:txBody>
+      </p:sp>
+      <p:sp>
+        <p:nvSpPr>
+          <p:cNvPr id="3" name="Content Placeholder 2">
+            <a:extLst>
+              <a:ext uri="{FF2B5EF4-FFF2-40B4-BE49-F238E27FC236}">
+                <a16:creationId xmlns:a16="http://schemas.microsoft.com/office/drawing/2014/main" id="{B06304A8-DE35-EAF7-B41F-75A61CBC3B05}"/>
+              </a:ext>
+            </a:extLst>
+          </p:cNvPr>
+          <p:cNvSpPr>
+            <a:spLocks noGrp="1"/>
+          </p:cNvSpPr>
+          <p:nvPr>
+            <p:ph idx="1"/>
+          </p:nvPr>
+        </p:nvSpPr>
+        <p:spPr/>
+        <p:txBody>
+          <a:bodyPr>
+            <a:normAutofit/>
+          </a:bodyPr>
+          <a:lstStyle/>
+          <a:p>
+            <a:pPr marL="158750" lvl="0" indent="0">
+              <a:lnSpc>
+                <a:spcPct val="100000"/>
+              </a:lnSpc>
+              <a:buClr>
+                <a:schemeClr val="lt1"/>
+              </a:buClr>
+              <a:buNone/>
+            </a:pPr>
+            <a:endParaRPr lang="en-US" dirty="0"/>
+          </a:p>
+          <a:p>
+            <a:pPr marL="158750" lvl="0" indent="0">
+              <a:lnSpc>
+                <a:spcPct val="100000"/>
+              </a:lnSpc>
+              <a:buClr>
+                <a:schemeClr val="lt1"/>
+              </a:buClr>
+              <a:buNone/>
+            </a:pPr>
+            <a:r>
+              <a:rPr lang="en-US" dirty="0"/>
+              <a:t>1. Build basic UI with mocked data (0.5p) – 23 October 2025</a:t>
+            </a:r>
+          </a:p>
+          <a:p>
+            <a:pPr marL="158750" lvl="0" indent="0">
+              <a:lnSpc>
+                <a:spcPct val="100000"/>
+              </a:lnSpc>
+              <a:buClr>
+                <a:schemeClr val="lt1"/>
+              </a:buClr>
+              <a:buNone/>
+            </a:pPr>
+            <a:r>
+              <a:rPr lang="en-US" dirty="0"/>
+              <a:t>2. Integrate with the provided API (0.5p) – 20 November 2025</a:t>
+            </a:r>
+          </a:p>
+          <a:p>
+            <a:pPr marL="158750" lvl="0" indent="0">
+              <a:lnSpc>
+                <a:spcPct val="100000"/>
+              </a:lnSpc>
+              <a:buClr>
+                <a:schemeClr val="lt1"/>
+              </a:buClr>
+              <a:buNone/>
+            </a:pPr>
+            <a:r>
+              <a:rPr lang="en-US" dirty="0"/>
+              <a:t>3. State management &amp; Offline first (1p) – 11 December 2025</a:t>
+            </a:r>
+          </a:p>
+          <a:p>
+            <a:pPr marL="158750" lvl="0" indent="0">
+              <a:lnSpc>
+                <a:spcPct val="100000"/>
+              </a:lnSpc>
+              <a:buClr>
+                <a:schemeClr val="lt1"/>
+              </a:buClr>
+              <a:buNone/>
+            </a:pPr>
+            <a:r>
+              <a:rPr lang="en-US" dirty="0"/>
+              <a:t>4. Final presentation (2p) – 15 January 2026</a:t>
+            </a:r>
+          </a:p>
+        </p:txBody>
+      </p:sp>
+    </p:spTree>
+    <p:extLst>
+      <p:ext uri="{BB962C8B-B14F-4D97-AF65-F5344CB8AC3E}">
+        <p14:creationId xmlns:p14="http://schemas.microsoft.com/office/powerpoint/2010/main" val="723585560"/>
+      </p:ext>
+    </p:extLst>
+  </p:cSld>
+  <p:clrMapOvr>
+    <a:masterClrMapping/>
+  </p:clrMapOvr>
+</p:sld>
+</file>
+
+<file path=ppt/slides/slide5.xml><?xml version="1.0" encoding="utf-8"?>
+<p:sld xmlns:a="http://schemas.openxmlformats.org/drawingml/2006/main" xmlns:r="http://schemas.openxmlformats.org/officeDocument/2006/relationships" xmlns:p="http://schemas.openxmlformats.org/presentationml/2006/main">
+  <p:cSld>
+    <p:spTree>
+      <p:nvGrpSpPr>
+        <p:cNvPr id="1" name="">
+          <a:extLst>
+            <a:ext uri="{FF2B5EF4-FFF2-40B4-BE49-F238E27FC236}">
+              <a16:creationId xmlns:a16="http://schemas.microsoft.com/office/drawing/2014/main" id="{7E5814FC-96F6-96C8-A5AB-7738339E9703}"/>
+            </a:ext>
+          </a:extLst>
+        </p:cNvPr>
+        <p:cNvGrpSpPr/>
+        <p:nvPr/>
+      </p:nvGrpSpPr>
+      <p:grpSpPr>
+        <a:xfrm>
+          <a:off x="0" y="0"/>
+          <a:ext cx="0" cy="0"/>
+          <a:chOff x="0" y="0"/>
+          <a:chExt cx="0" cy="0"/>
+        </a:xfrm>
+      </p:grpSpPr>
+      <p:sp>
+        <p:nvSpPr>
+          <p:cNvPr id="2" name="Title 1">
+            <a:extLst>
+              <a:ext uri="{FF2B5EF4-FFF2-40B4-BE49-F238E27FC236}">
+                <a16:creationId xmlns:a16="http://schemas.microsoft.com/office/drawing/2014/main" id="{76928F4A-E9D2-8548-283E-E1F4EAC98C13}"/>
+              </a:ext>
+            </a:extLst>
+          </p:cNvPr>
+          <p:cNvSpPr>
+            <a:spLocks noGrp="1"/>
+          </p:cNvSpPr>
+          <p:nvPr>
+            <p:ph type="title"/>
+          </p:nvPr>
+        </p:nvSpPr>
+        <p:spPr/>
+        <p:txBody>
+          <a:bodyPr/>
+          <a:lstStyle/>
+          <a:p>
+            <a:r>
+              <a:rPr lang="en-US" dirty="0"/>
+              <a:t>Project topics – Project 1</a:t>
+            </a:r>
+          </a:p>
+        </p:txBody>
+      </p:sp>
+      <p:sp>
+        <p:nvSpPr>
+          <p:cNvPr id="3" name="Content Placeholder 2">
+            <a:extLst>
+              <a:ext uri="{FF2B5EF4-FFF2-40B4-BE49-F238E27FC236}">
+                <a16:creationId xmlns:a16="http://schemas.microsoft.com/office/drawing/2014/main" id="{4735FA13-4B3C-1CAB-D6F8-639288B94D1A}"/>
+              </a:ext>
+            </a:extLst>
+          </p:cNvPr>
+          <p:cNvSpPr>
+            <a:spLocks noGrp="1"/>
+          </p:cNvSpPr>
+          <p:nvPr>
+            <p:ph idx="1"/>
+          </p:nvPr>
+        </p:nvSpPr>
+        <p:spPr/>
+        <p:txBody>
+          <a:bodyPr>
+            <a:normAutofit/>
+          </a:bodyPr>
+          <a:lstStyle/>
+          <a:p>
+            <a:pPr marL="158750" lvl="0" indent="0">
+              <a:lnSpc>
+                <a:spcPct val="100000"/>
+              </a:lnSpc>
+              <a:buClr>
+                <a:schemeClr val="lt1"/>
+              </a:buClr>
+              <a:buNone/>
+            </a:pPr>
+            <a:r>
+              <a:rPr lang="en-US" b="1" dirty="0" err="1"/>
+              <a:t>TaskFlow</a:t>
+            </a:r>
+            <a:r>
+              <a:rPr lang="en-US" b="1" dirty="0"/>
+              <a:t>: A Team Task Management App</a:t>
+            </a:r>
+          </a:p>
+          <a:p>
+            <a:pPr marL="158750" lvl="0" indent="0">
+              <a:lnSpc>
+                <a:spcPct val="100000"/>
+              </a:lnSpc>
+              <a:buClr>
+                <a:schemeClr val="lt1"/>
+              </a:buClr>
+              <a:buNone/>
+            </a:pPr>
+            <a:endParaRPr lang="en-US" b="1" dirty="0"/>
+          </a:p>
+          <a:p>
+            <a:r>
+              <a:rPr lang="en-US" dirty="0"/>
+              <a:t>Users can register/login with Firebase Auth (Email).</a:t>
+            </a:r>
+          </a:p>
+          <a:p>
+            <a:r>
+              <a:rPr lang="en-US" dirty="0"/>
+              <a:t>Create teams, add members, assign tasks with deadlines.</a:t>
+            </a:r>
+          </a:p>
+          <a:p>
+            <a:r>
+              <a:rPr lang="en-US" dirty="0"/>
+              <a:t>Real-time sync of tasks via </a:t>
+            </a:r>
+            <a:r>
+              <a:rPr lang="en-US" dirty="0" err="1"/>
+              <a:t>Firestore</a:t>
+            </a:r>
+            <a:r>
+              <a:rPr lang="en-US" dirty="0"/>
+              <a:t>.</a:t>
+            </a:r>
+          </a:p>
+          <a:p>
+            <a:r>
+              <a:rPr lang="en-US" dirty="0"/>
+              <a:t>Implement offline-first behavior with async/local caching.</a:t>
+            </a:r>
+          </a:p>
+          <a:p>
+            <a:r>
+              <a:rPr lang="en-US" dirty="0"/>
+              <a:t>Different roles (admin &amp; member)</a:t>
+            </a:r>
+          </a:p>
+          <a:p>
+            <a:pPr marL="158750" lvl="0" indent="0">
+              <a:lnSpc>
+                <a:spcPct val="100000"/>
+              </a:lnSpc>
+              <a:buClr>
+                <a:schemeClr val="lt1"/>
+              </a:buClr>
+              <a:buNone/>
+            </a:pPr>
+            <a:endParaRPr lang="en-US" dirty="0"/>
+          </a:p>
+        </p:txBody>
+      </p:sp>
+    </p:spTree>
+    <p:extLst>
+      <p:ext uri="{BB962C8B-B14F-4D97-AF65-F5344CB8AC3E}">
+        <p14:creationId xmlns:p14="http://schemas.microsoft.com/office/powerpoint/2010/main" val="475458241"/>
+      </p:ext>
+    </p:extLst>
+  </p:cSld>
+  <p:clrMapOvr>
+    <a:masterClrMapping/>
+  </p:clrMapOvr>
+</p:sld>
+</file>
+
+<file path=ppt/slides/slide6.xml><?xml version="1.0" encoding="utf-8"?>
+<p:sld xmlns:a="http://schemas.openxmlformats.org/drawingml/2006/main" xmlns:r="http://schemas.openxmlformats.org/officeDocument/2006/relationships" xmlns:p="http://schemas.openxmlformats.org/presentationml/2006/main">
+  <p:cSld>
+    <p:spTree>
+      <p:nvGrpSpPr>
+        <p:cNvPr id="1" name="">
+          <a:extLst>
+            <a:ext uri="{FF2B5EF4-FFF2-40B4-BE49-F238E27FC236}">
+              <a16:creationId xmlns:a16="http://schemas.microsoft.com/office/drawing/2014/main" id="{B4C757E0-0CC6-EF50-FB7C-1007F4A728FA}"/>
+            </a:ext>
+          </a:extLst>
+        </p:cNvPr>
+        <p:cNvGrpSpPr/>
+        <p:nvPr/>
+      </p:nvGrpSpPr>
+      <p:grpSpPr>
+        <a:xfrm>
+          <a:off x="0" y="0"/>
+          <a:ext cx="0" cy="0"/>
+          <a:chOff x="0" y="0"/>
+          <a:chExt cx="0" cy="0"/>
+        </a:xfrm>
+      </p:grpSpPr>
+      <p:sp>
+        <p:nvSpPr>
+          <p:cNvPr id="2" name="Title 1">
+            <a:extLst>
+              <a:ext uri="{FF2B5EF4-FFF2-40B4-BE49-F238E27FC236}">
+                <a16:creationId xmlns:a16="http://schemas.microsoft.com/office/drawing/2014/main" id="{98F705D2-BD36-B493-9115-359BDB309D0A}"/>
+              </a:ext>
+            </a:extLst>
+          </p:cNvPr>
+          <p:cNvSpPr>
+            <a:spLocks noGrp="1"/>
+          </p:cNvSpPr>
+          <p:nvPr>
+            <p:ph type="title"/>
+          </p:nvPr>
+        </p:nvSpPr>
+        <p:spPr/>
+        <p:txBody>
+          <a:bodyPr/>
+          <a:lstStyle/>
+          <a:p>
+            <a:r>
+              <a:rPr lang="en-US" dirty="0"/>
+              <a:t>Project topics – Project 2</a:t>
+            </a:r>
+          </a:p>
+        </p:txBody>
+      </p:sp>
+      <p:sp>
+        <p:nvSpPr>
+          <p:cNvPr id="3" name="Content Placeholder 2">
+            <a:extLst>
+              <a:ext uri="{FF2B5EF4-FFF2-40B4-BE49-F238E27FC236}">
+                <a16:creationId xmlns:a16="http://schemas.microsoft.com/office/drawing/2014/main" id="{2B878C35-63ED-5182-3AE3-55E7B5B15DF1}"/>
+              </a:ext>
+            </a:extLst>
+          </p:cNvPr>
+          <p:cNvSpPr>
+            <a:spLocks noGrp="1"/>
+          </p:cNvSpPr>
+          <p:nvPr>
+            <p:ph idx="1"/>
+          </p:nvPr>
+        </p:nvSpPr>
+        <p:spPr/>
+        <p:txBody>
+          <a:bodyPr>
+            <a:normAutofit/>
+          </a:bodyPr>
+          <a:lstStyle/>
+          <a:p>
+            <a:pPr marL="158750" lvl="0" indent="0">
+              <a:lnSpc>
+                <a:spcPct val="100000"/>
+              </a:lnSpc>
+              <a:buClr>
+                <a:schemeClr val="lt1"/>
+              </a:buClr>
+              <a:buNone/>
+            </a:pPr>
+            <a:r>
+              <a:rPr lang="en-US" b="1" dirty="0" err="1"/>
+              <a:t>MediTrack</a:t>
+            </a:r>
+            <a:r>
+              <a:rPr lang="en-US" b="1" dirty="0"/>
+              <a:t>: Personal Health &amp; Medication Reminder</a:t>
+            </a:r>
+          </a:p>
+          <a:p>
+            <a:pPr marL="158750" lvl="0" indent="0">
+              <a:lnSpc>
+                <a:spcPct val="100000"/>
+              </a:lnSpc>
+              <a:buClr>
+                <a:schemeClr val="lt1"/>
+              </a:buClr>
+              <a:buNone/>
+            </a:pPr>
+            <a:endParaRPr lang="en-US" b="1" dirty="0"/>
+          </a:p>
+          <a:p>
+            <a:r>
+              <a:rPr lang="en-US" dirty="0"/>
+              <a:t>Users log in and store health records securely.</a:t>
+            </a:r>
+          </a:p>
+          <a:p>
+            <a:r>
+              <a:rPr lang="en-US" dirty="0"/>
+              <a:t>Set medication schedules → trigger local notifications.</a:t>
+            </a:r>
+          </a:p>
+          <a:p>
+            <a:r>
+              <a:rPr lang="en-US" dirty="0"/>
+              <a:t>Camera/Storage permissions for uploading prescriptions.</a:t>
+            </a:r>
+          </a:p>
+          <a:p>
+            <a:r>
+              <a:rPr lang="en-US" dirty="0"/>
+              <a:t>Secure data with Firebase App Check &amp; </a:t>
+            </a:r>
+            <a:r>
+              <a:rPr lang="en-US" dirty="0" err="1"/>
+              <a:t>Firestore</a:t>
+            </a:r>
+            <a:r>
+              <a:rPr lang="en-US" dirty="0"/>
+              <a:t> rules.</a:t>
+            </a:r>
+          </a:p>
+          <a:p>
+            <a:r>
+              <a:rPr lang="en-US" dirty="0"/>
+              <a:t>Routing between dashboard, reminders, health logs.</a:t>
+            </a:r>
+          </a:p>
+        </p:txBody>
+      </p:sp>
+    </p:spTree>
+    <p:extLst>
+      <p:ext uri="{BB962C8B-B14F-4D97-AF65-F5344CB8AC3E}">
+        <p14:creationId xmlns:p14="http://schemas.microsoft.com/office/powerpoint/2010/main" val="2274793926"/>
+      </p:ext>
+    </p:extLst>
+  </p:cSld>
+  <p:clrMapOvr>
+    <a:masterClrMapping/>
+  </p:clrMapOvr>
+</p:sld>
+</file>
+
+<file path=ppt/slides/slide7.xml><?xml version="1.0" encoding="utf-8"?>
+<p:sld xmlns:a="http://schemas.openxmlformats.org/drawingml/2006/main" xmlns:r="http://schemas.openxmlformats.org/officeDocument/2006/relationships" xmlns:p="http://schemas.openxmlformats.org/presentationml/2006/main">
+  <p:cSld>
+    <p:spTree>
+      <p:nvGrpSpPr>
+        <p:cNvPr id="1" name="">
+          <a:extLst>
+            <a:ext uri="{FF2B5EF4-FFF2-40B4-BE49-F238E27FC236}">
+              <a16:creationId xmlns:a16="http://schemas.microsoft.com/office/drawing/2014/main" id="{70305D8D-D989-921E-2630-783AFF8DEAD5}"/>
+            </a:ext>
+          </a:extLst>
+        </p:cNvPr>
+        <p:cNvGrpSpPr/>
+        <p:nvPr/>
+      </p:nvGrpSpPr>
+      <p:grpSpPr>
+        <a:xfrm>
+          <a:off x="0" y="0"/>
+          <a:ext cx="0" cy="0"/>
+          <a:chOff x="0" y="0"/>
+          <a:chExt cx="0" cy="0"/>
+        </a:xfrm>
+      </p:grpSpPr>
+      <p:sp>
+        <p:nvSpPr>
+          <p:cNvPr id="2" name="Title 1">
+            <a:extLst>
+              <a:ext uri="{FF2B5EF4-FFF2-40B4-BE49-F238E27FC236}">
+                <a16:creationId xmlns:a16="http://schemas.microsoft.com/office/drawing/2014/main" id="{859FE825-75F2-19D3-5E7F-E6F404F60724}"/>
+              </a:ext>
+            </a:extLst>
+          </p:cNvPr>
+          <p:cNvSpPr>
+            <a:spLocks noGrp="1"/>
+          </p:cNvSpPr>
+          <p:nvPr>
+            <p:ph type="title"/>
+          </p:nvPr>
+        </p:nvSpPr>
+        <p:spPr/>
+        <p:txBody>
+          <a:bodyPr/>
+          <a:lstStyle/>
+          <a:p>
+            <a:r>
+              <a:rPr lang="en-US" dirty="0"/>
+              <a:t>Project topics – Project 3</a:t>
+            </a:r>
+          </a:p>
+        </p:txBody>
+      </p:sp>
+      <p:sp>
+        <p:nvSpPr>
+          <p:cNvPr id="3" name="Content Placeholder 2">
+            <a:extLst>
+              <a:ext uri="{FF2B5EF4-FFF2-40B4-BE49-F238E27FC236}">
+                <a16:creationId xmlns:a16="http://schemas.microsoft.com/office/drawing/2014/main" id="{A39B1341-97EC-1F22-2E0A-A1085DFF2059}"/>
+              </a:ext>
+            </a:extLst>
+          </p:cNvPr>
+          <p:cNvSpPr>
+            <a:spLocks noGrp="1"/>
+          </p:cNvSpPr>
+          <p:nvPr>
+            <p:ph idx="1"/>
+          </p:nvPr>
+        </p:nvSpPr>
+        <p:spPr/>
+        <p:txBody>
+          <a:bodyPr>
+            <a:normAutofit/>
+          </a:bodyPr>
+          <a:lstStyle/>
+          <a:p>
+            <a:pPr marL="158750" indent="0">
+              <a:lnSpc>
+                <a:spcPct val="100000"/>
+              </a:lnSpc>
+              <a:buClr>
+                <a:schemeClr val="lt1"/>
+              </a:buClr>
+              <a:buNone/>
+            </a:pPr>
+            <a:r>
+              <a:rPr lang="en-US" b="1" dirty="0" err="1"/>
+              <a:t>EduNotes</a:t>
+            </a:r>
+            <a:r>
+              <a:rPr lang="en-US" b="1" dirty="0"/>
+              <a:t>: Collaborative Learning &amp; Note Sharing</a:t>
+            </a:r>
+          </a:p>
+          <a:p>
+            <a:pPr marL="158750" indent="0">
+              <a:lnSpc>
+                <a:spcPct val="100000"/>
+              </a:lnSpc>
+              <a:buClr>
+                <a:schemeClr val="lt1"/>
+              </a:buClr>
+              <a:buNone/>
+            </a:pPr>
+            <a:endParaRPr lang="en-US" dirty="0"/>
+          </a:p>
+          <a:p>
+            <a:r>
+              <a:rPr lang="en-US" dirty="0"/>
+              <a:t>Students sign up via Email.</a:t>
+            </a:r>
+          </a:p>
+          <a:p>
+            <a:r>
+              <a:rPr lang="en-US" dirty="0"/>
+              <a:t>Create, edit, and share notes with peers in real-time.</a:t>
+            </a:r>
+          </a:p>
+          <a:p>
+            <a:r>
+              <a:rPr lang="en-US" dirty="0"/>
+              <a:t>Support text + images (upload to Firebase Storage).</a:t>
+            </a:r>
+          </a:p>
+          <a:p>
+            <a:r>
+              <a:rPr lang="en-US" dirty="0"/>
+              <a:t>Notes can be starred, tagged, and filtered.</a:t>
+            </a:r>
+          </a:p>
+          <a:p>
+            <a:r>
+              <a:rPr lang="en-US" dirty="0"/>
+              <a:t>Use </a:t>
+            </a:r>
+            <a:r>
+              <a:rPr lang="en-US" dirty="0" err="1"/>
+              <a:t>BLoC</a:t>
+            </a:r>
+            <a:r>
+              <a:rPr lang="en-US" dirty="0"/>
+              <a:t> to separate UI (note editors) from logic (saving/sync).</a:t>
+            </a:r>
+          </a:p>
+          <a:p>
+            <a:pPr marL="158750" lvl="0" indent="0">
+              <a:lnSpc>
+                <a:spcPct val="100000"/>
+              </a:lnSpc>
+              <a:buClr>
+                <a:schemeClr val="lt1"/>
+              </a:buClr>
+              <a:buNone/>
+            </a:pPr>
+            <a:endParaRPr lang="en-US" dirty="0"/>
+          </a:p>
+        </p:txBody>
+      </p:sp>
+    </p:spTree>
+    <p:extLst>
+      <p:ext uri="{BB962C8B-B14F-4D97-AF65-F5344CB8AC3E}">
+        <p14:creationId xmlns:p14="http://schemas.microsoft.com/office/powerpoint/2010/main" val="617663541"/>
+      </p:ext>
+    </p:extLst>
+  </p:cSld>
+  <p:clrMapOvr>
+    <a:masterClrMapping/>
+  </p:clrMapOvr>
+</p:sld>
+</file>
+
+<file path=ppt/slides/slide8.xml><?xml version="1.0" encoding="utf-8"?>
+<p:sld xmlns:a="http://schemas.openxmlformats.org/drawingml/2006/main" xmlns:r="http://schemas.openxmlformats.org/officeDocument/2006/relationships" xmlns:p="http://schemas.openxmlformats.org/presentationml/2006/main">
+  <p:cSld>
+    <p:spTree>
+      <p:nvGrpSpPr>
+        <p:cNvPr id="1" name="">
+          <a:extLst>
+            <a:ext uri="{FF2B5EF4-FFF2-40B4-BE49-F238E27FC236}">
+              <a16:creationId xmlns:a16="http://schemas.microsoft.com/office/drawing/2014/main" id="{8C2CB861-D323-9C21-4349-B5B28E4B5B14}"/>
+            </a:ext>
+          </a:extLst>
+        </p:cNvPr>
+        <p:cNvGrpSpPr/>
+        <p:nvPr/>
+      </p:nvGrpSpPr>
+      <p:grpSpPr>
+        <a:xfrm>
+          <a:off x="0" y="0"/>
+          <a:ext cx="0" cy="0"/>
+          <a:chOff x="0" y="0"/>
+          <a:chExt cx="0" cy="0"/>
+        </a:xfrm>
+      </p:grpSpPr>
+      <p:sp>
+        <p:nvSpPr>
+          <p:cNvPr id="2" name="Title 1">
+            <a:extLst>
+              <a:ext uri="{FF2B5EF4-FFF2-40B4-BE49-F238E27FC236}">
+                <a16:creationId xmlns:a16="http://schemas.microsoft.com/office/drawing/2014/main" id="{3A0284AA-5909-9AD7-F607-C2993A7D546E}"/>
+              </a:ext>
+            </a:extLst>
+          </p:cNvPr>
+          <p:cNvSpPr>
+            <a:spLocks noGrp="1"/>
+          </p:cNvSpPr>
+          <p:nvPr>
+            <p:ph type="title"/>
+          </p:nvPr>
+        </p:nvSpPr>
+        <p:spPr/>
+        <p:txBody>
+          <a:bodyPr/>
+          <a:lstStyle/>
+          <a:p>
+            <a:r>
+              <a:rPr lang="en-US" dirty="0"/>
+              <a:t>Project topics – Project 4</a:t>
+            </a:r>
+          </a:p>
+        </p:txBody>
+      </p:sp>
+      <p:sp>
+        <p:nvSpPr>
+          <p:cNvPr id="3" name="Content Placeholder 2">
+            <a:extLst>
+              <a:ext uri="{FF2B5EF4-FFF2-40B4-BE49-F238E27FC236}">
+                <a16:creationId xmlns:a16="http://schemas.microsoft.com/office/drawing/2014/main" id="{0D5B6485-ED13-8FEE-7BD9-C7C50DDA7D7C}"/>
+              </a:ext>
+            </a:extLst>
+          </p:cNvPr>
+          <p:cNvSpPr>
+            <a:spLocks noGrp="1"/>
+          </p:cNvSpPr>
+          <p:nvPr>
+            <p:ph idx="1"/>
+          </p:nvPr>
+        </p:nvSpPr>
+        <p:spPr/>
+        <p:txBody>
+          <a:bodyPr>
+            <a:normAutofit/>
+          </a:bodyPr>
+          <a:lstStyle/>
+          <a:p>
+            <a:pPr marL="158750" lvl="0" indent="0">
+              <a:lnSpc>
+                <a:spcPct val="100000"/>
+              </a:lnSpc>
+              <a:buClr>
+                <a:schemeClr val="lt1"/>
+              </a:buClr>
+              <a:buNone/>
+            </a:pPr>
+            <a:r>
+              <a:rPr lang="en-US" b="1" dirty="0" err="1"/>
+              <a:t>TravelBuddy</a:t>
+            </a:r>
+            <a:r>
+              <a:rPr lang="en-US" b="1" dirty="0"/>
+              <a:t>: Smart Itinerary &amp; Expense Tracker</a:t>
+            </a:r>
+          </a:p>
+          <a:p>
+            <a:pPr marL="158750" lvl="0" indent="0">
+              <a:lnSpc>
+                <a:spcPct val="100000"/>
+              </a:lnSpc>
+              <a:buClr>
+                <a:schemeClr val="lt1"/>
+              </a:buClr>
+              <a:buNone/>
+            </a:pPr>
+            <a:endParaRPr lang="en-US" b="1" dirty="0"/>
+          </a:p>
+          <a:p>
+            <a:r>
+              <a:rPr lang="en-US" dirty="0"/>
+              <a:t>Create trips → add activities, bookings, and expenses.</a:t>
+            </a:r>
+          </a:p>
+          <a:p>
+            <a:r>
+              <a:rPr lang="en-US" dirty="0"/>
+              <a:t>Async fetch of currency conversion rates (mock external API).</a:t>
+            </a:r>
+          </a:p>
+          <a:p>
+            <a:r>
+              <a:rPr lang="en-US" dirty="0"/>
+              <a:t>Store user trips &amp; expenses in </a:t>
+            </a:r>
+            <a:r>
+              <a:rPr lang="en-US" dirty="0" err="1"/>
+              <a:t>Firestore</a:t>
+            </a:r>
+            <a:r>
+              <a:rPr lang="en-US" dirty="0"/>
+              <a:t>.</a:t>
+            </a:r>
+          </a:p>
+          <a:p>
+            <a:r>
+              <a:rPr lang="en-US" dirty="0"/>
+              <a:t>Routing between trip overview, detailed day views, and analytics.</a:t>
+            </a:r>
+          </a:p>
+          <a:p>
+            <a:r>
+              <a:rPr lang="en-US" dirty="0"/>
+              <a:t>Optimize for low energy consumption (lazy loading data, efficient list rendering).</a:t>
+            </a:r>
+          </a:p>
+          <a:p>
+            <a:pPr marL="158750" lvl="0" indent="0">
+              <a:lnSpc>
+                <a:spcPct val="100000"/>
+              </a:lnSpc>
+              <a:buClr>
+                <a:schemeClr val="lt1"/>
+              </a:buClr>
+              <a:buNone/>
+            </a:pPr>
+            <a:endParaRPr lang="en-US" dirty="0"/>
+          </a:p>
+        </p:txBody>
+      </p:sp>
+    </p:spTree>
+    <p:extLst>
+      <p:ext uri="{BB962C8B-B14F-4D97-AF65-F5344CB8AC3E}">
+        <p14:creationId xmlns:p14="http://schemas.microsoft.com/office/powerpoint/2010/main" val="1755559867"/>
+      </p:ext>
+    </p:extLst>
+  </p:cSld>
+  <p:clrMapOvr>
+    <a:masterClrMapping/>
+  </p:clrMapOvr>
+</p:sld>
+</file>
+
+<file path=ppt/slides/slide9.xml><?xml version="1.0" encoding="utf-8"?>
+<p:sld xmlns:a="http://schemas.openxmlformats.org/drawingml/2006/main" xmlns:r="http://schemas.openxmlformats.org/officeDocument/2006/relationships" xmlns:p="http://schemas.openxmlformats.org/presentationml/2006/main">
+  <p:cSld>
+    <p:spTree>
+      <p:nvGrpSpPr>
+        <p:cNvPr id="1" name="">
+          <a:extLst>
+            <a:ext uri="{FF2B5EF4-FFF2-40B4-BE49-F238E27FC236}">
+              <a16:creationId xmlns:a16="http://schemas.microsoft.com/office/drawing/2014/main" id="{F602E096-5893-5226-B074-03485A8A1DA5}"/>
+            </a:ext>
+          </a:extLst>
+        </p:cNvPr>
+        <p:cNvGrpSpPr/>
+        <p:nvPr/>
+      </p:nvGrpSpPr>
+      <p:grpSpPr>
+        <a:xfrm>
+          <a:off x="0" y="0"/>
+          <a:ext cx="0" cy="0"/>
+          <a:chOff x="0" y="0"/>
+          <a:chExt cx="0" cy="0"/>
+        </a:xfrm>
+      </p:grpSpPr>
+      <p:sp>
+        <p:nvSpPr>
+          <p:cNvPr id="2" name="Title 1">
+            <a:extLst>
+              <a:ext uri="{FF2B5EF4-FFF2-40B4-BE49-F238E27FC236}">
+                <a16:creationId xmlns:a16="http://schemas.microsoft.com/office/drawing/2014/main" id="{BCE13D09-A881-0473-CD05-9A81715A6D0B}"/>
+              </a:ext>
+            </a:extLst>
+          </p:cNvPr>
+          <p:cNvSpPr>
+            <a:spLocks noGrp="1"/>
+          </p:cNvSpPr>
+          <p:nvPr>
+            <p:ph type="title"/>
+          </p:nvPr>
+        </p:nvSpPr>
+        <p:spPr/>
+        <p:txBody>
+          <a:bodyPr/>
+          <a:lstStyle/>
+          <a:p>
+            <a:r>
+              <a:rPr lang="en-US" dirty="0"/>
+              <a:t>Project topics – Project 5</a:t>
+            </a:r>
+          </a:p>
+        </p:txBody>
+      </p:sp>
+      <p:sp>
+        <p:nvSpPr>
+          <p:cNvPr id="3" name="Content Placeholder 2">
+            <a:extLst>
+              <a:ext uri="{FF2B5EF4-FFF2-40B4-BE49-F238E27FC236}">
+                <a16:creationId xmlns:a16="http://schemas.microsoft.com/office/drawing/2014/main" id="{CDBE384C-2140-616F-3F8D-F64B2EF15DD5}"/>
+              </a:ext>
+            </a:extLst>
+          </p:cNvPr>
+          <p:cNvSpPr>
+            <a:spLocks noGrp="1"/>
+          </p:cNvSpPr>
+          <p:nvPr>
+            <p:ph idx="1"/>
+          </p:nvPr>
+        </p:nvSpPr>
+        <p:spPr/>
+        <p:txBody>
+          <a:bodyPr>
+            <a:normAutofit lnSpcReduction="10000"/>
+          </a:bodyPr>
+          <a:lstStyle/>
+          <a:p>
+            <a:pPr marL="158750" indent="0">
+              <a:lnSpc>
+                <a:spcPct val="100000"/>
+              </a:lnSpc>
+              <a:buClr>
+                <a:schemeClr val="lt1"/>
+              </a:buClr>
+              <a:buNone/>
+            </a:pPr>
+            <a:r>
+              <a:rPr lang="en-US" b="1" dirty="0" err="1"/>
+              <a:t>EventMate</a:t>
+            </a:r>
+            <a:r>
+              <a:rPr lang="en-US" b="1" dirty="0"/>
+              <a:t>: Social Event Planning &amp; RSVP App</a:t>
+            </a:r>
+            <a:endParaRPr lang="en-US" dirty="0"/>
+          </a:p>
+          <a:p>
+            <a:pPr marL="158750" lvl="0" indent="0">
+              <a:lnSpc>
+                <a:spcPct val="100000"/>
+              </a:lnSpc>
+              <a:buClr>
+                <a:schemeClr val="lt1"/>
+              </a:buClr>
+              <a:buNone/>
+            </a:pPr>
+            <a:endParaRPr lang="en-US" dirty="0"/>
+          </a:p>
+          <a:p>
+            <a:r>
+              <a:rPr lang="en-US" dirty="0"/>
+              <a:t>Users sign up via Firebase Auth (email).</a:t>
+            </a:r>
+          </a:p>
+          <a:p>
+            <a:r>
+              <a:rPr lang="en-US" dirty="0"/>
+              <a:t>Create and manage events (title, date, location, description).</a:t>
+            </a:r>
+          </a:p>
+          <a:p>
+            <a:r>
+              <a:rPr lang="en-US" dirty="0"/>
+              <a:t>Invite friends (via email lookup or app sharing).</a:t>
+            </a:r>
+          </a:p>
+          <a:p>
+            <a:r>
+              <a:rPr lang="en-US" dirty="0"/>
+              <a:t>RSVP tracking with real-time updates in </a:t>
+            </a:r>
+            <a:r>
+              <a:rPr lang="en-US" dirty="0" err="1"/>
+              <a:t>Firestore</a:t>
+            </a:r>
+            <a:r>
+              <a:rPr lang="en-US" dirty="0"/>
+              <a:t>.</a:t>
+            </a:r>
+          </a:p>
+          <a:p>
+            <a:r>
+              <a:rPr lang="en-US" dirty="0"/>
+              <a:t>Calendar/contacts permission integration (optional).</a:t>
+            </a:r>
+          </a:p>
+          <a:p>
+            <a:r>
+              <a:rPr lang="en-US" dirty="0" err="1"/>
+              <a:t>BLoC</a:t>
+            </a:r>
+            <a:r>
+              <a:rPr lang="en-US" dirty="0"/>
+              <a:t> to separate business logic from UI for event creation and RSVP flow.</a:t>
+            </a:r>
+          </a:p>
+          <a:p>
+            <a:pPr marL="158750" lvl="0" indent="0">
+              <a:lnSpc>
+                <a:spcPct val="100000"/>
+              </a:lnSpc>
+              <a:buClr>
+                <a:schemeClr val="lt1"/>
+              </a:buClr>
+              <a:buNone/>
+            </a:pPr>
+            <a:endParaRPr lang="en-US" dirty="0"/>
+          </a:p>
+        </p:txBody>
+      </p:sp>
+    </p:spTree>
+    <p:extLst>
+      <p:ext uri="{BB962C8B-B14F-4D97-AF65-F5344CB8AC3E}">
+        <p14:creationId xmlns:p14="http://schemas.microsoft.com/office/powerpoint/2010/main" val="2926457192"/>
       </p:ext>
     </p:extLst>
   </p:cSld>

--- a/w1/l1/Mobile-and-Embedded-Computing-Lab1.pptx
+++ b/w1/l1/Mobile-and-Embedded-Computing-Lab1.pptx
@@ -217,7 +217,7 @@
           <a:p>
             <a:fld id="{03371807-75D2-4B48-9BC1-C0791C7EACC9}" type="datetimeFigureOut">
               <a:rPr lang="en-US" smtClean="0"/>
-              <a:t>10/1/25</a:t>
+              <a:t>10/2/25</a:t>
             </a:fld>
             <a:endParaRPr lang="en-US"/>
           </a:p>
@@ -631,7 +631,7 @@
           <a:p>
             <a:fld id="{779551AF-0EE3-DD4B-B4EF-6D8229EA0D86}" type="datetimeFigureOut">
               <a:rPr lang="en-US" smtClean="0"/>
-              <a:t>10/1/25</a:t>
+              <a:t>10/2/25</a:t>
             </a:fld>
             <a:endParaRPr lang="en-US"/>
           </a:p>
@@ -829,7 +829,7 @@
           <a:p>
             <a:fld id="{779551AF-0EE3-DD4B-B4EF-6D8229EA0D86}" type="datetimeFigureOut">
               <a:rPr lang="en-US" smtClean="0"/>
-              <a:t>10/1/25</a:t>
+              <a:t>10/2/25</a:t>
             </a:fld>
             <a:endParaRPr lang="en-US"/>
           </a:p>
@@ -1037,7 +1037,7 @@
           <a:p>
             <a:fld id="{779551AF-0EE3-DD4B-B4EF-6D8229EA0D86}" type="datetimeFigureOut">
               <a:rPr lang="en-US" smtClean="0"/>
-              <a:t>10/1/25</a:t>
+              <a:t>10/2/25</a:t>
             </a:fld>
             <a:endParaRPr lang="en-US"/>
           </a:p>
@@ -1235,7 +1235,7 @@
           <a:p>
             <a:fld id="{779551AF-0EE3-DD4B-B4EF-6D8229EA0D86}" type="datetimeFigureOut">
               <a:rPr lang="en-US" smtClean="0"/>
-              <a:t>10/1/25</a:t>
+              <a:t>10/2/25</a:t>
             </a:fld>
             <a:endParaRPr lang="en-US"/>
           </a:p>
@@ -1510,7 +1510,7 @@
           <a:p>
             <a:fld id="{779551AF-0EE3-DD4B-B4EF-6D8229EA0D86}" type="datetimeFigureOut">
               <a:rPr lang="en-US" smtClean="0"/>
-              <a:t>10/1/25</a:t>
+              <a:t>10/2/25</a:t>
             </a:fld>
             <a:endParaRPr lang="en-US"/>
           </a:p>
@@ -1775,7 +1775,7 @@
           <a:p>
             <a:fld id="{779551AF-0EE3-DD4B-B4EF-6D8229EA0D86}" type="datetimeFigureOut">
               <a:rPr lang="en-US" smtClean="0"/>
-              <a:t>10/1/25</a:t>
+              <a:t>10/2/25</a:t>
             </a:fld>
             <a:endParaRPr lang="en-US"/>
           </a:p>
@@ -2187,7 +2187,7 @@
           <a:p>
             <a:fld id="{779551AF-0EE3-DD4B-B4EF-6D8229EA0D86}" type="datetimeFigureOut">
               <a:rPr lang="en-US" smtClean="0"/>
-              <a:t>10/1/25</a:t>
+              <a:t>10/2/25</a:t>
             </a:fld>
             <a:endParaRPr lang="en-US"/>
           </a:p>
@@ -2328,7 +2328,7 @@
           <a:p>
             <a:fld id="{779551AF-0EE3-DD4B-B4EF-6D8229EA0D86}" type="datetimeFigureOut">
               <a:rPr lang="en-US" smtClean="0"/>
-              <a:t>10/1/25</a:t>
+              <a:t>10/2/25</a:t>
             </a:fld>
             <a:endParaRPr lang="en-US"/>
           </a:p>
@@ -2441,7 +2441,7 @@
           <a:p>
             <a:fld id="{779551AF-0EE3-DD4B-B4EF-6D8229EA0D86}" type="datetimeFigureOut">
               <a:rPr lang="en-US" smtClean="0"/>
-              <a:t>10/1/25</a:t>
+              <a:t>10/2/25</a:t>
             </a:fld>
             <a:endParaRPr lang="en-US"/>
           </a:p>
@@ -2752,7 +2752,7 @@
           <a:p>
             <a:fld id="{779551AF-0EE3-DD4B-B4EF-6D8229EA0D86}" type="datetimeFigureOut">
               <a:rPr lang="en-US" smtClean="0"/>
-              <a:t>10/1/25</a:t>
+              <a:t>10/2/25</a:t>
             </a:fld>
             <a:endParaRPr lang="en-US"/>
           </a:p>
@@ -3040,7 +3040,7 @@
           <a:p>
             <a:fld id="{779551AF-0EE3-DD4B-B4EF-6D8229EA0D86}" type="datetimeFigureOut">
               <a:rPr lang="en-US" smtClean="0"/>
-              <a:t>10/1/25</a:t>
+              <a:t>10/2/25</a:t>
             </a:fld>
             <a:endParaRPr lang="en-US"/>
           </a:p>
@@ -3281,7 +3281,7 @@
           <a:p>
             <a:fld id="{779551AF-0EE3-DD4B-B4EF-6D8229EA0D86}" type="datetimeFigureOut">
               <a:rPr lang="en-US" smtClean="0"/>
-              <a:t>10/1/25</a:t>
+              <a:t>10/2/25</a:t>
             </a:fld>
             <a:endParaRPr lang="en-US"/>
           </a:p>
@@ -4926,7 +4926,7 @@
             </a:pPr>
             <a:r>
               <a:rPr lang="en-US" dirty="0"/>
-              <a:t>2. Integrate with the provided API (0.5p) – 20 November 2025</a:t>
+              <a:t>2. Integrate with Firebase (0.5p) – 20 November 2025</a:t>
             </a:r>
           </a:p>
           <a:p>
